--- a/Documentation/WarehouseUSP.pptx
+++ b/Documentation/WarehouseUSP.pptx
@@ -6,19 +6,18 @@
   </p:sldMasterIdLst>
   <p:sldIdLst>
     <p:sldId id="256" r:id="rId2"/>
-    <p:sldId id="257" r:id="rId3"/>
-    <p:sldId id="258" r:id="rId4"/>
-    <p:sldId id="260" r:id="rId5"/>
-    <p:sldId id="261" r:id="rId6"/>
+    <p:sldId id="261" r:id="rId3"/>
+    <p:sldId id="257" r:id="rId4"/>
+    <p:sldId id="258" r:id="rId5"/>
+    <p:sldId id="260" r:id="rId6"/>
     <p:sldId id="262" r:id="rId7"/>
     <p:sldId id="263" r:id="rId8"/>
     <p:sldId id="264" r:id="rId9"/>
     <p:sldId id="265" r:id="rId10"/>
-    <p:sldId id="266" r:id="rId11"/>
-    <p:sldId id="267" r:id="rId12"/>
-    <p:sldId id="268" r:id="rId13"/>
-    <p:sldId id="270" r:id="rId14"/>
-    <p:sldId id="271" r:id="rId15"/>
+    <p:sldId id="267" r:id="rId11"/>
+    <p:sldId id="268" r:id="rId12"/>
+    <p:sldId id="270" r:id="rId13"/>
+    <p:sldId id="271" r:id="rId14"/>
   </p:sldIdLst>
   <p:sldSz cx="12192000" cy="6858000"/>
   <p:notesSz cx="6858000" cy="9144000"/>
@@ -117,7 +116,870 @@
       </a:defRPr>
     </a:lvl9pPr>
   </p:defaultTextStyle>
+  <p:extLst>
+    <p:ext uri="{EFAFB233-063F-42B5-8137-9DF3F51BA10A}">
+      <p15:sldGuideLst xmlns:p15="http://schemas.microsoft.com/office/powerpoint/2012/main"/>
+    </p:ext>
+  </p:extLst>
 </p:presentation>
+</file>
+
+<file path=ppt/charts/chart1.xml><?xml version="1.0" encoding="utf-8"?>
+<c:chartSpace xmlns:c="http://schemas.openxmlformats.org/drawingml/2006/chart" xmlns:a="http://schemas.openxmlformats.org/drawingml/2006/main" xmlns:r="http://schemas.openxmlformats.org/officeDocument/2006/relationships" xmlns:c16r2="http://schemas.microsoft.com/office/drawing/2015/06/chart">
+  <c:date1904 val="0"/>
+  <c:lang val="en-US"/>
+  <c:roundedCorners val="0"/>
+  <mc:AlternateContent xmlns:mc="http://schemas.openxmlformats.org/markup-compatibility/2006">
+    <mc:Choice xmlns:c14="http://schemas.microsoft.com/office/drawing/2007/8/2/chart" Requires="c14">
+      <c14:style val="102"/>
+    </mc:Choice>
+    <mc:Fallback>
+      <c:style val="2"/>
+    </mc:Fallback>
+  </mc:AlternateContent>
+  <c:chart>
+    <c:title>
+      <c:overlay val="0"/>
+      <c:spPr>
+        <a:noFill/>
+        <a:ln>
+          <a:noFill/>
+        </a:ln>
+        <a:effectLst/>
+      </c:spPr>
+      <c:txPr>
+        <a:bodyPr rot="0" spcFirstLastPara="1" vertOverflow="ellipsis" vert="horz" wrap="square" anchor="ctr" anchorCtr="1"/>
+        <a:lstStyle/>
+        <a:p>
+          <a:pPr>
+            <a:defRPr sz="1862" b="0" i="0" u="none" strike="noStrike" kern="1200" spc="0" baseline="0">
+              <a:solidFill>
+                <a:schemeClr val="tx1">
+                  <a:lumMod val="65000"/>
+                  <a:lumOff val="35000"/>
+                </a:schemeClr>
+              </a:solidFill>
+              <a:latin typeface="+mn-lt"/>
+              <a:ea typeface="+mn-ea"/>
+              <a:cs typeface="+mn-cs"/>
+            </a:defRPr>
+          </a:pPr>
+          <a:endParaRPr lang="en-US"/>
+        </a:p>
+      </c:txPr>
+    </c:title>
+    <c:autoTitleDeleted val="0"/>
+    <c:plotArea>
+      <c:layout/>
+      <c:barChart>
+        <c:barDir val="col"/>
+        <c:grouping val="clustered"/>
+        <c:varyColors val="0"/>
+        <c:ser>
+          <c:idx val="0"/>
+          <c:order val="0"/>
+          <c:tx>
+            <c:strRef>
+              <c:f>Sheet1!$B$1</c:f>
+              <c:strCache>
+                <c:ptCount val="1"/>
+                <c:pt idx="0">
+                  <c:v>Разходи</c:v>
+                </c:pt>
+              </c:strCache>
+            </c:strRef>
+          </c:tx>
+          <c:spPr>
+            <a:solidFill>
+              <a:schemeClr val="accent1"/>
+            </a:solidFill>
+            <a:ln>
+              <a:noFill/>
+            </a:ln>
+            <a:effectLst/>
+          </c:spPr>
+          <c:invertIfNegative val="0"/>
+          <c:cat>
+            <c:strRef>
+              <c:f>Sheet1!$A$2:$A$5</c:f>
+              <c:strCache>
+                <c:ptCount val="4"/>
+                <c:pt idx="0">
+                  <c:v>Момчил</c:v>
+                </c:pt>
+                <c:pt idx="1">
+                  <c:v>Тодор</c:v>
+                </c:pt>
+                <c:pt idx="2">
+                  <c:v>Ток</c:v>
+                </c:pt>
+                <c:pt idx="3">
+                  <c:v>Интернет</c:v>
+                </c:pt>
+              </c:strCache>
+            </c:strRef>
+          </c:cat>
+          <c:val>
+            <c:numRef>
+              <c:f>Sheet1!$B$2:$B$5</c:f>
+              <c:numCache>
+                <c:formatCode>[$$-409]#\ ##0</c:formatCode>
+                <c:ptCount val="4"/>
+                <c:pt idx="0">
+                  <c:v>2240</c:v>
+                </c:pt>
+                <c:pt idx="1">
+                  <c:v>2080</c:v>
+                </c:pt>
+                <c:pt idx="2">
+                  <c:v>20</c:v>
+                </c:pt>
+                <c:pt idx="3">
+                  <c:v>20</c:v>
+                </c:pt>
+              </c:numCache>
+            </c:numRef>
+          </c:val>
+          <c:extLst>
+            <c:ext xmlns:c16="http://schemas.microsoft.com/office/drawing/2014/chart" uri="{C3380CC4-5D6E-409C-BE32-E72D297353CC}">
+              <c16:uniqueId val="{00000000-5E18-4E42-BA86-7BC3FEA881F5}"/>
+            </c:ext>
+          </c:extLst>
+        </c:ser>
+        <c:dLbls>
+          <c:showLegendKey val="0"/>
+          <c:showVal val="0"/>
+          <c:showCatName val="0"/>
+          <c:showSerName val="0"/>
+          <c:showPercent val="0"/>
+          <c:showBubbleSize val="0"/>
+        </c:dLbls>
+        <c:gapWidth val="219"/>
+        <c:overlap val="-27"/>
+        <c:axId val="395941376"/>
+        <c:axId val="395941856"/>
+      </c:barChart>
+      <c:catAx>
+        <c:axId val="395941376"/>
+        <c:scaling>
+          <c:orientation val="minMax"/>
+        </c:scaling>
+        <c:delete val="0"/>
+        <c:axPos val="b"/>
+        <c:numFmt formatCode="General" sourceLinked="1"/>
+        <c:majorTickMark val="none"/>
+        <c:minorTickMark val="none"/>
+        <c:tickLblPos val="nextTo"/>
+        <c:spPr>
+          <a:noFill/>
+          <a:ln w="9525" cap="flat" cmpd="sng" algn="ctr">
+            <a:solidFill>
+              <a:schemeClr val="tx1">
+                <a:lumMod val="15000"/>
+                <a:lumOff val="85000"/>
+              </a:schemeClr>
+            </a:solidFill>
+            <a:round/>
+          </a:ln>
+          <a:effectLst/>
+        </c:spPr>
+        <c:txPr>
+          <a:bodyPr rot="-60000000" spcFirstLastPara="1" vertOverflow="ellipsis" vert="horz" wrap="square" anchor="ctr" anchorCtr="1"/>
+          <a:lstStyle/>
+          <a:p>
+            <a:pPr>
+              <a:defRPr sz="1197" b="0" i="0" u="none" strike="noStrike" kern="1200" baseline="0">
+                <a:solidFill>
+                  <a:schemeClr val="tx1">
+                    <a:lumMod val="65000"/>
+                    <a:lumOff val="35000"/>
+                  </a:schemeClr>
+                </a:solidFill>
+                <a:latin typeface="+mn-lt"/>
+                <a:ea typeface="+mn-ea"/>
+                <a:cs typeface="+mn-cs"/>
+              </a:defRPr>
+            </a:pPr>
+            <a:endParaRPr lang="en-US"/>
+          </a:p>
+        </c:txPr>
+        <c:crossAx val="395941856"/>
+        <c:crosses val="autoZero"/>
+        <c:auto val="1"/>
+        <c:lblAlgn val="ctr"/>
+        <c:lblOffset val="100"/>
+        <c:noMultiLvlLbl val="0"/>
+      </c:catAx>
+      <c:valAx>
+        <c:axId val="395941856"/>
+        <c:scaling>
+          <c:orientation val="minMax"/>
+        </c:scaling>
+        <c:delete val="0"/>
+        <c:axPos val="l"/>
+        <c:majorGridlines>
+          <c:spPr>
+            <a:ln w="9525" cap="flat" cmpd="sng" algn="ctr">
+              <a:solidFill>
+                <a:schemeClr val="tx1">
+                  <a:lumMod val="15000"/>
+                  <a:lumOff val="85000"/>
+                </a:schemeClr>
+              </a:solidFill>
+              <a:round/>
+            </a:ln>
+            <a:effectLst/>
+          </c:spPr>
+        </c:majorGridlines>
+        <c:numFmt formatCode="[$$-409]#\ ##0" sourceLinked="1"/>
+        <c:majorTickMark val="none"/>
+        <c:minorTickMark val="none"/>
+        <c:tickLblPos val="nextTo"/>
+        <c:spPr>
+          <a:noFill/>
+          <a:ln>
+            <a:noFill/>
+          </a:ln>
+          <a:effectLst/>
+        </c:spPr>
+        <c:txPr>
+          <a:bodyPr rot="-60000000" spcFirstLastPara="1" vertOverflow="ellipsis" vert="horz" wrap="square" anchor="ctr" anchorCtr="1"/>
+          <a:lstStyle/>
+          <a:p>
+            <a:pPr>
+              <a:defRPr sz="1197" b="0" i="0" u="none" strike="noStrike" kern="1200" baseline="0">
+                <a:solidFill>
+                  <a:schemeClr val="tx1">
+                    <a:lumMod val="65000"/>
+                    <a:lumOff val="35000"/>
+                  </a:schemeClr>
+                </a:solidFill>
+                <a:latin typeface="+mn-lt"/>
+                <a:ea typeface="+mn-ea"/>
+                <a:cs typeface="+mn-cs"/>
+              </a:defRPr>
+            </a:pPr>
+            <a:endParaRPr lang="en-US"/>
+          </a:p>
+        </c:txPr>
+        <c:crossAx val="395941376"/>
+        <c:crosses val="autoZero"/>
+        <c:crossBetween val="between"/>
+      </c:valAx>
+      <c:spPr>
+        <a:noFill/>
+        <a:ln>
+          <a:noFill/>
+        </a:ln>
+        <a:effectLst/>
+      </c:spPr>
+    </c:plotArea>
+    <c:legend>
+      <c:legendPos val="b"/>
+      <c:overlay val="0"/>
+      <c:spPr>
+        <a:noFill/>
+        <a:ln>
+          <a:noFill/>
+        </a:ln>
+        <a:effectLst/>
+      </c:spPr>
+      <c:txPr>
+        <a:bodyPr rot="0" spcFirstLastPara="1" vertOverflow="ellipsis" vert="horz" wrap="square" anchor="ctr" anchorCtr="1"/>
+        <a:lstStyle/>
+        <a:p>
+          <a:pPr>
+            <a:defRPr sz="1197" b="0" i="0" u="none" strike="noStrike" kern="1200" baseline="0">
+              <a:solidFill>
+                <a:schemeClr val="tx1">
+                  <a:lumMod val="65000"/>
+                  <a:lumOff val="35000"/>
+                </a:schemeClr>
+              </a:solidFill>
+              <a:latin typeface="+mn-lt"/>
+              <a:ea typeface="+mn-ea"/>
+              <a:cs typeface="+mn-cs"/>
+            </a:defRPr>
+          </a:pPr>
+          <a:endParaRPr lang="en-US"/>
+        </a:p>
+      </c:txPr>
+    </c:legend>
+    <c:plotVisOnly val="1"/>
+    <c:dispBlanksAs val="gap"/>
+    <c:extLst>
+      <c:ext xmlns:c16r3="http://schemas.microsoft.com/office/drawing/2017/03/chart" uri="{56B9EC1D-385E-4148-901F-78D8002777C0}">
+        <c16r3:dataDisplayOptions16>
+          <c16r3:dispNaAsBlank val="1"/>
+        </c16r3:dataDisplayOptions16>
+      </c:ext>
+    </c:extLst>
+    <c:showDLblsOverMax val="0"/>
+  </c:chart>
+  <c:spPr>
+    <a:noFill/>
+    <a:ln>
+      <a:noFill/>
+    </a:ln>
+    <a:effectLst/>
+  </c:spPr>
+  <c:txPr>
+    <a:bodyPr/>
+    <a:lstStyle/>
+    <a:p>
+      <a:pPr>
+        <a:defRPr/>
+      </a:pPr>
+      <a:endParaRPr lang="en-US"/>
+    </a:p>
+  </c:txPr>
+  <c:externalData r:id="rId3">
+    <c:autoUpdate val="0"/>
+  </c:externalData>
+</c:chartSpace>
+</file>
+
+<file path=ppt/charts/colors1.xml><?xml version="1.0" encoding="utf-8"?>
+<cs:colorStyle xmlns:cs="http://schemas.microsoft.com/office/drawing/2012/chartStyle" xmlns:a="http://schemas.openxmlformats.org/drawingml/2006/main" meth="cycle" id="10">
+  <a:schemeClr val="accent1"/>
+  <a:schemeClr val="accent2"/>
+  <a:schemeClr val="accent3"/>
+  <a:schemeClr val="accent4"/>
+  <a:schemeClr val="accent5"/>
+  <a:schemeClr val="accent6"/>
+  <cs:variation/>
+  <cs:variation>
+    <a:lumMod val="60000"/>
+  </cs:variation>
+  <cs:variation>
+    <a:lumMod val="80000"/>
+    <a:lumOff val="20000"/>
+  </cs:variation>
+  <cs:variation>
+    <a:lumMod val="80000"/>
+  </cs:variation>
+  <cs:variation>
+    <a:lumMod val="60000"/>
+    <a:lumOff val="40000"/>
+  </cs:variation>
+  <cs:variation>
+    <a:lumMod val="50000"/>
+  </cs:variation>
+  <cs:variation>
+    <a:lumMod val="70000"/>
+    <a:lumOff val="30000"/>
+  </cs:variation>
+  <cs:variation>
+    <a:lumMod val="70000"/>
+  </cs:variation>
+  <cs:variation>
+    <a:lumMod val="50000"/>
+    <a:lumOff val="50000"/>
+  </cs:variation>
+</cs:colorStyle>
+</file>
+
+<file path=ppt/charts/style1.xml><?xml version="1.0" encoding="utf-8"?>
+<cs:chartStyle xmlns:cs="http://schemas.microsoft.com/office/drawing/2012/chartStyle" xmlns:a="http://schemas.openxmlformats.org/drawingml/2006/main" id="201">
+  <cs:axisTitle>
+    <cs:lnRef idx="0"/>
+    <cs:fillRef idx="0"/>
+    <cs:effectRef idx="0"/>
+    <cs:fontRef idx="minor">
+      <a:schemeClr val="tx1">
+        <a:lumMod val="65000"/>
+        <a:lumOff val="35000"/>
+      </a:schemeClr>
+    </cs:fontRef>
+    <cs:defRPr sz="1330" kern="1200"/>
+  </cs:axisTitle>
+  <cs:categoryAxis>
+    <cs:lnRef idx="0"/>
+    <cs:fillRef idx="0"/>
+    <cs:effectRef idx="0"/>
+    <cs:fontRef idx="minor">
+      <a:schemeClr val="tx1">
+        <a:lumMod val="65000"/>
+        <a:lumOff val="35000"/>
+      </a:schemeClr>
+    </cs:fontRef>
+    <cs:spPr>
+      <a:ln w="9525" cap="flat" cmpd="sng" algn="ctr">
+        <a:solidFill>
+          <a:schemeClr val="tx1">
+            <a:lumMod val="15000"/>
+            <a:lumOff val="85000"/>
+          </a:schemeClr>
+        </a:solidFill>
+        <a:round/>
+      </a:ln>
+    </cs:spPr>
+    <cs:defRPr sz="1197" kern="1200"/>
+  </cs:categoryAxis>
+  <cs:chartArea mods="allowNoFillOverride allowNoLineOverride">
+    <cs:lnRef idx="0"/>
+    <cs:fillRef idx="0"/>
+    <cs:effectRef idx="0"/>
+    <cs:fontRef idx="minor">
+      <a:schemeClr val="tx1"/>
+    </cs:fontRef>
+    <cs:spPr>
+      <a:solidFill>
+        <a:schemeClr val="bg1"/>
+      </a:solidFill>
+      <a:ln w="9525" cap="flat" cmpd="sng" algn="ctr">
+        <a:solidFill>
+          <a:schemeClr val="tx1">
+            <a:lumMod val="15000"/>
+            <a:lumOff val="85000"/>
+          </a:schemeClr>
+        </a:solidFill>
+        <a:round/>
+      </a:ln>
+    </cs:spPr>
+    <cs:defRPr sz="1330" kern="1200"/>
+  </cs:chartArea>
+  <cs:dataLabel>
+    <cs:lnRef idx="0"/>
+    <cs:fillRef idx="0"/>
+    <cs:effectRef idx="0"/>
+    <cs:fontRef idx="minor">
+      <a:schemeClr val="tx1">
+        <a:lumMod val="75000"/>
+        <a:lumOff val="25000"/>
+      </a:schemeClr>
+    </cs:fontRef>
+    <cs:defRPr sz="1197" kern="1200"/>
+  </cs:dataLabel>
+  <cs:dataLabelCallout>
+    <cs:lnRef idx="0"/>
+    <cs:fillRef idx="0"/>
+    <cs:effectRef idx="0"/>
+    <cs:fontRef idx="minor">
+      <a:schemeClr val="dk1">
+        <a:lumMod val="65000"/>
+        <a:lumOff val="35000"/>
+      </a:schemeClr>
+    </cs:fontRef>
+    <cs:spPr>
+      <a:solidFill>
+        <a:schemeClr val="lt1"/>
+      </a:solidFill>
+      <a:ln>
+        <a:solidFill>
+          <a:schemeClr val="dk1">
+            <a:lumMod val="25000"/>
+            <a:lumOff val="75000"/>
+          </a:schemeClr>
+        </a:solidFill>
+      </a:ln>
+    </cs:spPr>
+    <cs:defRPr sz="1197" kern="1200"/>
+    <cs:bodyPr rot="0" spcFirstLastPara="1" vertOverflow="clip" horzOverflow="clip" vert="horz" wrap="square" lIns="36576" tIns="18288" rIns="36576" bIns="18288" anchor="ctr" anchorCtr="1">
+      <a:spAutoFit/>
+    </cs:bodyPr>
+  </cs:dataLabelCallout>
+  <cs:dataPoint>
+    <cs:lnRef idx="0"/>
+    <cs:fillRef idx="1">
+      <cs:styleClr val="auto"/>
+    </cs:fillRef>
+    <cs:effectRef idx="0"/>
+    <cs:fontRef idx="minor">
+      <a:schemeClr val="tx1"/>
+    </cs:fontRef>
+  </cs:dataPoint>
+  <cs:dataPoint3D>
+    <cs:lnRef idx="0"/>
+    <cs:fillRef idx="1">
+      <cs:styleClr val="auto"/>
+    </cs:fillRef>
+    <cs:effectRef idx="0"/>
+    <cs:fontRef idx="minor">
+      <a:schemeClr val="tx1"/>
+    </cs:fontRef>
+  </cs:dataPoint3D>
+  <cs:dataPointLine>
+    <cs:lnRef idx="0">
+      <cs:styleClr val="auto"/>
+    </cs:lnRef>
+    <cs:fillRef idx="1"/>
+    <cs:effectRef idx="0"/>
+    <cs:fontRef idx="minor">
+      <a:schemeClr val="tx1"/>
+    </cs:fontRef>
+    <cs:spPr>
+      <a:ln w="28575" cap="rnd">
+        <a:solidFill>
+          <a:schemeClr val="phClr"/>
+        </a:solidFill>
+        <a:round/>
+      </a:ln>
+    </cs:spPr>
+  </cs:dataPointLine>
+  <cs:dataPointMarker>
+    <cs:lnRef idx="0">
+      <cs:styleClr val="auto"/>
+    </cs:lnRef>
+    <cs:fillRef idx="1">
+      <cs:styleClr val="auto"/>
+    </cs:fillRef>
+    <cs:effectRef idx="0"/>
+    <cs:fontRef idx="minor">
+      <a:schemeClr val="tx1"/>
+    </cs:fontRef>
+    <cs:spPr>
+      <a:ln w="9525">
+        <a:solidFill>
+          <a:schemeClr val="phClr"/>
+        </a:solidFill>
+      </a:ln>
+    </cs:spPr>
+  </cs:dataPointMarker>
+  <cs:dataPointMarkerLayout symbol="circle" size="5"/>
+  <cs:dataPointWireframe>
+    <cs:lnRef idx="0">
+      <cs:styleClr val="auto"/>
+    </cs:lnRef>
+    <cs:fillRef idx="1"/>
+    <cs:effectRef idx="0"/>
+    <cs:fontRef idx="minor">
+      <a:schemeClr val="tx1"/>
+    </cs:fontRef>
+    <cs:spPr>
+      <a:ln w="9525" cap="rnd">
+        <a:solidFill>
+          <a:schemeClr val="phClr"/>
+        </a:solidFill>
+        <a:round/>
+      </a:ln>
+    </cs:spPr>
+  </cs:dataPointWireframe>
+  <cs:dataTable>
+    <cs:lnRef idx="0"/>
+    <cs:fillRef idx="0"/>
+    <cs:effectRef idx="0"/>
+    <cs:fontRef idx="minor">
+      <a:schemeClr val="tx1">
+        <a:lumMod val="65000"/>
+        <a:lumOff val="35000"/>
+      </a:schemeClr>
+    </cs:fontRef>
+    <cs:spPr>
+      <a:noFill/>
+      <a:ln w="9525" cap="flat" cmpd="sng" algn="ctr">
+        <a:solidFill>
+          <a:schemeClr val="tx1">
+            <a:lumMod val="15000"/>
+            <a:lumOff val="85000"/>
+          </a:schemeClr>
+        </a:solidFill>
+        <a:round/>
+      </a:ln>
+    </cs:spPr>
+    <cs:defRPr sz="1197" kern="1200"/>
+  </cs:dataTable>
+  <cs:downBar>
+    <cs:lnRef idx="0"/>
+    <cs:fillRef idx="0"/>
+    <cs:effectRef idx="0"/>
+    <cs:fontRef idx="minor">
+      <a:schemeClr val="dk1"/>
+    </cs:fontRef>
+    <cs:spPr>
+      <a:solidFill>
+        <a:schemeClr val="dk1">
+          <a:lumMod val="65000"/>
+          <a:lumOff val="35000"/>
+        </a:schemeClr>
+      </a:solidFill>
+      <a:ln w="9525">
+        <a:solidFill>
+          <a:schemeClr val="tx1">
+            <a:lumMod val="65000"/>
+            <a:lumOff val="35000"/>
+          </a:schemeClr>
+        </a:solidFill>
+      </a:ln>
+    </cs:spPr>
+  </cs:downBar>
+  <cs:dropLine>
+    <cs:lnRef idx="0"/>
+    <cs:fillRef idx="0"/>
+    <cs:effectRef idx="0"/>
+    <cs:fontRef idx="minor">
+      <a:schemeClr val="tx1"/>
+    </cs:fontRef>
+    <cs:spPr>
+      <a:ln w="9525" cap="flat" cmpd="sng" algn="ctr">
+        <a:solidFill>
+          <a:schemeClr val="tx1">
+            <a:lumMod val="35000"/>
+            <a:lumOff val="65000"/>
+          </a:schemeClr>
+        </a:solidFill>
+        <a:round/>
+      </a:ln>
+    </cs:spPr>
+  </cs:dropLine>
+  <cs:errorBar>
+    <cs:lnRef idx="0"/>
+    <cs:fillRef idx="0"/>
+    <cs:effectRef idx="0"/>
+    <cs:fontRef idx="minor">
+      <a:schemeClr val="tx1"/>
+    </cs:fontRef>
+    <cs:spPr>
+      <a:ln w="9525" cap="flat" cmpd="sng" algn="ctr">
+        <a:solidFill>
+          <a:schemeClr val="tx1">
+            <a:lumMod val="65000"/>
+            <a:lumOff val="35000"/>
+          </a:schemeClr>
+        </a:solidFill>
+        <a:round/>
+      </a:ln>
+    </cs:spPr>
+  </cs:errorBar>
+  <cs:floor>
+    <cs:lnRef idx="0"/>
+    <cs:fillRef idx="0"/>
+    <cs:effectRef idx="0"/>
+    <cs:fontRef idx="minor">
+      <a:schemeClr val="tx1"/>
+    </cs:fontRef>
+    <cs:spPr>
+      <a:noFill/>
+      <a:ln>
+        <a:noFill/>
+      </a:ln>
+    </cs:spPr>
+  </cs:floor>
+  <cs:gridlineMajor>
+    <cs:lnRef idx="0"/>
+    <cs:fillRef idx="0"/>
+    <cs:effectRef idx="0"/>
+    <cs:fontRef idx="minor">
+      <a:schemeClr val="tx1"/>
+    </cs:fontRef>
+    <cs:spPr>
+      <a:ln w="9525" cap="flat" cmpd="sng" algn="ctr">
+        <a:solidFill>
+          <a:schemeClr val="tx1">
+            <a:lumMod val="15000"/>
+            <a:lumOff val="85000"/>
+          </a:schemeClr>
+        </a:solidFill>
+        <a:round/>
+      </a:ln>
+    </cs:spPr>
+  </cs:gridlineMajor>
+  <cs:gridlineMinor>
+    <cs:lnRef idx="0"/>
+    <cs:fillRef idx="0"/>
+    <cs:effectRef idx="0"/>
+    <cs:fontRef idx="minor">
+      <a:schemeClr val="tx1"/>
+    </cs:fontRef>
+    <cs:spPr>
+      <a:ln w="9525" cap="flat" cmpd="sng" algn="ctr">
+        <a:solidFill>
+          <a:schemeClr val="tx1">
+            <a:lumMod val="5000"/>
+            <a:lumOff val="95000"/>
+          </a:schemeClr>
+        </a:solidFill>
+        <a:round/>
+      </a:ln>
+    </cs:spPr>
+  </cs:gridlineMinor>
+  <cs:hiLoLine>
+    <cs:lnRef idx="0"/>
+    <cs:fillRef idx="0"/>
+    <cs:effectRef idx="0"/>
+    <cs:fontRef idx="minor">
+      <a:schemeClr val="tx1"/>
+    </cs:fontRef>
+    <cs:spPr>
+      <a:ln w="9525" cap="flat" cmpd="sng" algn="ctr">
+        <a:solidFill>
+          <a:schemeClr val="tx1">
+            <a:lumMod val="75000"/>
+            <a:lumOff val="25000"/>
+          </a:schemeClr>
+        </a:solidFill>
+        <a:round/>
+      </a:ln>
+    </cs:spPr>
+  </cs:hiLoLine>
+  <cs:leaderLine>
+    <cs:lnRef idx="0"/>
+    <cs:fillRef idx="0"/>
+    <cs:effectRef idx="0"/>
+    <cs:fontRef idx="minor">
+      <a:schemeClr val="tx1"/>
+    </cs:fontRef>
+    <cs:spPr>
+      <a:ln w="9525" cap="flat" cmpd="sng" algn="ctr">
+        <a:solidFill>
+          <a:schemeClr val="tx1">
+            <a:lumMod val="35000"/>
+            <a:lumOff val="65000"/>
+          </a:schemeClr>
+        </a:solidFill>
+        <a:round/>
+      </a:ln>
+    </cs:spPr>
+  </cs:leaderLine>
+  <cs:legend>
+    <cs:lnRef idx="0"/>
+    <cs:fillRef idx="0"/>
+    <cs:effectRef idx="0"/>
+    <cs:fontRef idx="minor">
+      <a:schemeClr val="tx1">
+        <a:lumMod val="65000"/>
+        <a:lumOff val="35000"/>
+      </a:schemeClr>
+    </cs:fontRef>
+    <cs:defRPr sz="1197" kern="1200"/>
+  </cs:legend>
+  <cs:plotArea mods="allowNoFillOverride allowNoLineOverride">
+    <cs:lnRef idx="0"/>
+    <cs:fillRef idx="0"/>
+    <cs:effectRef idx="0"/>
+    <cs:fontRef idx="minor">
+      <a:schemeClr val="tx1"/>
+    </cs:fontRef>
+  </cs:plotArea>
+  <cs:plotArea3D mods="allowNoFillOverride allowNoLineOverride">
+    <cs:lnRef idx="0"/>
+    <cs:fillRef idx="0"/>
+    <cs:effectRef idx="0"/>
+    <cs:fontRef idx="minor">
+      <a:schemeClr val="tx1"/>
+    </cs:fontRef>
+  </cs:plotArea3D>
+  <cs:seriesAxis>
+    <cs:lnRef idx="0"/>
+    <cs:fillRef idx="0"/>
+    <cs:effectRef idx="0"/>
+    <cs:fontRef idx="minor">
+      <a:schemeClr val="tx1">
+        <a:lumMod val="65000"/>
+        <a:lumOff val="35000"/>
+      </a:schemeClr>
+    </cs:fontRef>
+    <cs:defRPr sz="1197" kern="1200"/>
+  </cs:seriesAxis>
+  <cs:seriesLine>
+    <cs:lnRef idx="0"/>
+    <cs:fillRef idx="0"/>
+    <cs:effectRef idx="0"/>
+    <cs:fontRef idx="minor">
+      <a:schemeClr val="tx1"/>
+    </cs:fontRef>
+    <cs:spPr>
+      <a:ln w="9525" cap="flat" cmpd="sng" algn="ctr">
+        <a:solidFill>
+          <a:schemeClr val="tx1">
+            <a:lumMod val="35000"/>
+            <a:lumOff val="65000"/>
+          </a:schemeClr>
+        </a:solidFill>
+        <a:round/>
+      </a:ln>
+    </cs:spPr>
+  </cs:seriesLine>
+  <cs:title>
+    <cs:lnRef idx="0"/>
+    <cs:fillRef idx="0"/>
+    <cs:effectRef idx="0"/>
+    <cs:fontRef idx="minor">
+      <a:schemeClr val="tx1">
+        <a:lumMod val="65000"/>
+        <a:lumOff val="35000"/>
+      </a:schemeClr>
+    </cs:fontRef>
+    <cs:defRPr sz="1862" b="0" kern="1200" spc="0" baseline="0"/>
+  </cs:title>
+  <cs:trendline>
+    <cs:lnRef idx="0">
+      <cs:styleClr val="auto"/>
+    </cs:lnRef>
+    <cs:fillRef idx="0"/>
+    <cs:effectRef idx="0"/>
+    <cs:fontRef idx="minor">
+      <a:schemeClr val="tx1"/>
+    </cs:fontRef>
+    <cs:spPr>
+      <a:ln w="19050" cap="rnd">
+        <a:solidFill>
+          <a:schemeClr val="phClr"/>
+        </a:solidFill>
+        <a:prstDash val="sysDot"/>
+      </a:ln>
+    </cs:spPr>
+  </cs:trendline>
+  <cs:trendlineLabel>
+    <cs:lnRef idx="0"/>
+    <cs:fillRef idx="0"/>
+    <cs:effectRef idx="0"/>
+    <cs:fontRef idx="minor">
+      <a:schemeClr val="tx1">
+        <a:lumMod val="65000"/>
+        <a:lumOff val="35000"/>
+      </a:schemeClr>
+    </cs:fontRef>
+    <cs:defRPr sz="1197" kern="1200"/>
+  </cs:trendlineLabel>
+  <cs:upBar>
+    <cs:lnRef idx="0"/>
+    <cs:fillRef idx="0"/>
+    <cs:effectRef idx="0"/>
+    <cs:fontRef idx="minor">
+      <a:schemeClr val="dk1"/>
+    </cs:fontRef>
+    <cs:spPr>
+      <a:solidFill>
+        <a:schemeClr val="lt1"/>
+      </a:solidFill>
+      <a:ln w="9525">
+        <a:solidFill>
+          <a:schemeClr val="tx1">
+            <a:lumMod val="15000"/>
+            <a:lumOff val="85000"/>
+          </a:schemeClr>
+        </a:solidFill>
+      </a:ln>
+    </cs:spPr>
+  </cs:upBar>
+  <cs:valueAxis>
+    <cs:lnRef idx="0"/>
+    <cs:fillRef idx="0"/>
+    <cs:effectRef idx="0"/>
+    <cs:fontRef idx="minor">
+      <a:schemeClr val="tx1">
+        <a:lumMod val="65000"/>
+        <a:lumOff val="35000"/>
+      </a:schemeClr>
+    </cs:fontRef>
+    <cs:defRPr sz="1197" kern="1200"/>
+  </cs:valueAxis>
+  <cs:wall>
+    <cs:lnRef idx="0"/>
+    <cs:fillRef idx="0"/>
+    <cs:effectRef idx="0"/>
+    <cs:fontRef idx="minor">
+      <a:schemeClr val="tx1"/>
+    </cs:fontRef>
+    <cs:spPr>
+      <a:noFill/>
+      <a:ln>
+        <a:noFill/>
+      </a:ln>
+    </cs:spPr>
+  </cs:wall>
+</cs:chartStyle>
 </file>
 
 <file path=ppt/slideLayouts/slideLayout1.xml><?xml version="1.0" encoding="utf-8"?>
@@ -320,7 +1182,7 @@
           <a:p>
             <a:fld id="{53BEF823-48A5-43FC-BE03-E79964288B41}" type="datetimeFigureOut">
               <a:rPr lang="en-US" smtClean="0"/>
-              <a:t>5/9/2023</a:t>
+              <a:t>5/12/2023</a:t>
             </a:fld>
             <a:endParaRPr lang="en-US" dirty="0"/>
           </a:p>
@@ -514,7 +1376,7 @@
             <a:fld id="{53BEF823-48A5-43FC-BE03-E79964288B41}" type="datetimeFigureOut">
               <a:rPr lang="en-US" smtClean="0"/>
               <a:pPr algn="r"/>
-              <a:t>5/9/2023</a:t>
+              <a:t>5/12/2023</a:t>
             </a:fld>
             <a:endParaRPr lang="en-US" dirty="0"/>
           </a:p>
@@ -699,7 +1561,7 @@
             <a:fld id="{53BEF823-48A5-43FC-BE03-E79964288B41}" type="datetimeFigureOut">
               <a:rPr lang="en-US" smtClean="0"/>
               <a:pPr algn="r"/>
-              <a:t>5/9/2023</a:t>
+              <a:t>5/12/2023</a:t>
             </a:fld>
             <a:endParaRPr lang="en-US" dirty="0"/>
           </a:p>
@@ -874,7 +1736,7 @@
             <a:fld id="{53BEF823-48A5-43FC-BE03-E79964288B41}" type="datetimeFigureOut">
               <a:rPr lang="en-US" smtClean="0"/>
               <a:pPr algn="r"/>
-              <a:t>5/9/2023</a:t>
+              <a:t>5/12/2023</a:t>
             </a:fld>
             <a:endParaRPr lang="en-US" dirty="0"/>
           </a:p>
@@ -1135,7 +1997,7 @@
             <a:fld id="{53BEF823-48A5-43FC-BE03-E79964288B41}" type="datetimeFigureOut">
               <a:rPr lang="en-US" smtClean="0"/>
               <a:pPr algn="r"/>
-              <a:t>5/9/2023</a:t>
+              <a:t>5/12/2023</a:t>
             </a:fld>
             <a:endParaRPr lang="en-US" dirty="0"/>
           </a:p>
@@ -1428,7 +2290,7 @@
             <a:fld id="{53BEF823-48A5-43FC-BE03-E79964288B41}" type="datetimeFigureOut">
               <a:rPr lang="en-US" smtClean="0"/>
               <a:pPr algn="r"/>
-              <a:t>5/9/2023</a:t>
+              <a:t>5/12/2023</a:t>
             </a:fld>
             <a:endParaRPr lang="en-US" dirty="0"/>
           </a:p>
@@ -1871,7 +2733,7 @@
             <a:fld id="{53BEF823-48A5-43FC-BE03-E79964288B41}" type="datetimeFigureOut">
               <a:rPr lang="en-US" smtClean="0"/>
               <a:pPr algn="r"/>
-              <a:t>5/9/2023</a:t>
+              <a:t>5/12/2023</a:t>
             </a:fld>
             <a:endParaRPr lang="en-US" dirty="0"/>
           </a:p>
@@ -1994,7 +2856,7 @@
             <a:fld id="{53BEF823-48A5-43FC-BE03-E79964288B41}" type="datetimeFigureOut">
               <a:rPr lang="en-US" smtClean="0"/>
               <a:pPr algn="r"/>
-              <a:t>5/9/2023</a:t>
+              <a:t>5/12/2023</a:t>
             </a:fld>
             <a:endParaRPr lang="en-US" dirty="0"/>
           </a:p>
@@ -2094,7 +2956,7 @@
             <a:fld id="{53BEF823-48A5-43FC-BE03-E79964288B41}" type="datetimeFigureOut">
               <a:rPr lang="en-US" smtClean="0"/>
               <a:pPr algn="r"/>
-              <a:t>5/9/2023</a:t>
+              <a:t>5/12/2023</a:t>
             </a:fld>
             <a:endParaRPr lang="en-US" dirty="0"/>
           </a:p>
@@ -2455,7 +3317,7 @@
             <a:fld id="{53BEF823-48A5-43FC-BE03-E79964288B41}" type="datetimeFigureOut">
               <a:rPr lang="en-US" smtClean="0"/>
               <a:pPr algn="r"/>
-              <a:t>5/9/2023</a:t>
+              <a:t>5/12/2023</a:t>
             </a:fld>
             <a:endParaRPr lang="en-US" dirty="0"/>
           </a:p>
@@ -2776,7 +3638,7 @@
             <a:fld id="{53BEF823-48A5-43FC-BE03-E79964288B41}" type="datetimeFigureOut">
               <a:rPr lang="en-US" smtClean="0"/>
               <a:pPr algn="r"/>
-              <a:t>5/9/2023</a:t>
+              <a:t>5/12/2023</a:t>
             </a:fld>
             <a:endParaRPr lang="en-US" dirty="0"/>
           </a:p>
@@ -3014,7 +3876,7 @@
             <a:fld id="{53BEF823-48A5-43FC-BE03-E79964288B41}" type="datetimeFigureOut">
               <a:rPr lang="en-US" smtClean="0"/>
               <a:pPr algn="r"/>
-              <a:t>5/9/2023</a:t>
+              <a:t>5/12/2023</a:t>
             </a:fld>
             <a:endParaRPr lang="en-US" dirty="0"/>
           </a:p>
@@ -3605,90 +4467,6 @@
           <p:cNvPr id="2" name="Title 1">
             <a:extLst>
               <a:ext uri="{FF2B5EF4-FFF2-40B4-BE49-F238E27FC236}">
-                <a16:creationId xmlns:a16="http://schemas.microsoft.com/office/drawing/2014/main" id="{C09D401F-D95E-BFAE-93A5-5C2545DD7BA6}"/>
-              </a:ext>
-            </a:extLst>
-          </p:cNvPr>
-          <p:cNvSpPr>
-            <a:spLocks noGrp="1"/>
-          </p:cNvSpPr>
-          <p:nvPr>
-            <p:ph type="title"/>
-          </p:nvPr>
-        </p:nvSpPr>
-        <p:spPr/>
-        <p:txBody>
-          <a:bodyPr/>
-          <a:lstStyle/>
-          <a:p>
-            <a:r>
-              <a:rPr lang="bg-BG" dirty="0"/>
-              <a:t>Представяне на междинни фази</a:t>
-            </a:r>
-            <a:endParaRPr lang="en-US" dirty="0"/>
-          </a:p>
-        </p:txBody>
-      </p:sp>
-      <p:sp>
-        <p:nvSpPr>
-          <p:cNvPr id="3" name="Content Placeholder 2">
-            <a:extLst>
-              <a:ext uri="{FF2B5EF4-FFF2-40B4-BE49-F238E27FC236}">
-                <a16:creationId xmlns:a16="http://schemas.microsoft.com/office/drawing/2014/main" id="{FD4460B7-85C2-C18E-B470-F67E30D9C87A}"/>
-              </a:ext>
-            </a:extLst>
-          </p:cNvPr>
-          <p:cNvSpPr>
-            <a:spLocks noGrp="1"/>
-          </p:cNvSpPr>
-          <p:nvPr>
-            <p:ph idx="1"/>
-          </p:nvPr>
-        </p:nvSpPr>
-        <p:spPr/>
-        <p:txBody>
-          <a:bodyPr/>
-          <a:lstStyle/>
-          <a:p>
-            <a:endParaRPr lang="en-US"/>
-          </a:p>
-        </p:txBody>
-      </p:sp>
-    </p:spTree>
-    <p:extLst>
-      <p:ext uri="{BB962C8B-B14F-4D97-AF65-F5344CB8AC3E}">
-        <p14:creationId xmlns:p14="http://schemas.microsoft.com/office/powerpoint/2010/main" val="2620537684"/>
-      </p:ext>
-    </p:extLst>
-  </p:cSld>
-  <p:clrMapOvr>
-    <a:masterClrMapping/>
-  </p:clrMapOvr>
-</p:sld>
-</file>
-
-<file path=ppt/slides/slide11.xml><?xml version="1.0" encoding="utf-8"?>
-<p:sld xmlns:a="http://schemas.openxmlformats.org/drawingml/2006/main" xmlns:r="http://schemas.openxmlformats.org/officeDocument/2006/relationships" xmlns:p="http://schemas.openxmlformats.org/presentationml/2006/main">
-  <p:cSld>
-    <p:spTree>
-      <p:nvGrpSpPr>
-        <p:cNvPr id="1" name=""/>
-        <p:cNvGrpSpPr/>
-        <p:nvPr/>
-      </p:nvGrpSpPr>
-      <p:grpSpPr>
-        <a:xfrm>
-          <a:off x="0" y="0"/>
-          <a:ext cx="0" cy="0"/>
-          <a:chOff x="0" y="0"/>
-          <a:chExt cx="0" cy="0"/>
-        </a:xfrm>
-      </p:grpSpPr>
-      <p:sp>
-        <p:nvSpPr>
-          <p:cNvPr id="2" name="Title 1">
-            <a:extLst>
-              <a:ext uri="{FF2B5EF4-FFF2-40B4-BE49-F238E27FC236}">
                 <a16:creationId xmlns:a16="http://schemas.microsoft.com/office/drawing/2014/main" id="{C667D1BF-43AE-2724-31B0-9B36E7D0BF88}"/>
               </a:ext>
             </a:extLst>
@@ -3707,37 +4485,42 @@
           <a:p>
             <a:r>
               <a:rPr lang="bg-BG" dirty="0"/>
-              <a:t>Графи на изпълнение на задачата</a:t>
+              <a:t>График на изпълнение на задачата</a:t>
             </a:r>
             <a:endParaRPr lang="en-US" dirty="0"/>
           </a:p>
         </p:txBody>
       </p:sp>
-      <p:sp>
-        <p:nvSpPr>
-          <p:cNvPr id="3" name="Content Placeholder 2">
+      <p:pic>
+        <p:nvPicPr>
+          <p:cNvPr id="4" name="Picture 3" descr="A screenshot of a computer&#10;&#10;Description automatically generated with medium confidence">
             <a:extLst>
               <a:ext uri="{FF2B5EF4-FFF2-40B4-BE49-F238E27FC236}">
-                <a16:creationId xmlns:a16="http://schemas.microsoft.com/office/drawing/2014/main" id="{2F5A115B-89A9-DE95-436C-E58C4192CF62}"/>
+                <a16:creationId xmlns:a16="http://schemas.microsoft.com/office/drawing/2014/main" id="{8141A9A9-DF9C-8757-02CA-0E288FECF3AE}"/>
               </a:ext>
             </a:extLst>
           </p:cNvPr>
-          <p:cNvSpPr>
-            <a:spLocks noGrp="1"/>
-          </p:cNvSpPr>
-          <p:nvPr>
-            <p:ph idx="1"/>
-          </p:nvPr>
-        </p:nvSpPr>
-        <p:spPr/>
-        <p:txBody>
-          <a:bodyPr/>
-          <a:lstStyle/>
-          <a:p>
-            <a:endParaRPr lang="en-US"/>
-          </a:p>
-        </p:txBody>
-      </p:sp>
+          <p:cNvPicPr>
+            <a:picLocks noChangeAspect="1"/>
+          </p:cNvPicPr>
+          <p:nvPr/>
+        </p:nvPicPr>
+        <p:blipFill>
+          <a:blip r:embed="rId2"/>
+          <a:stretch>
+            <a:fillRect/>
+          </a:stretch>
+        </p:blipFill>
+        <p:spPr>
+          <a:xfrm>
+            <a:off x="646892" y="2289147"/>
+            <a:ext cx="10769362" cy="3211249"/>
+          </a:xfrm>
+          <a:prstGeom prst="rect">
+            <a:avLst/>
+          </a:prstGeom>
+        </p:spPr>
+      </p:pic>
     </p:spTree>
     <p:extLst>
       <p:ext uri="{BB962C8B-B14F-4D97-AF65-F5344CB8AC3E}">
@@ -3751,7 +4534,7 @@
 </p:sld>
 </file>
 
-<file path=ppt/slides/slide12.xml><?xml version="1.0" encoding="utf-8"?>
+<file path=ppt/slides/slide11.xml><?xml version="1.0" encoding="utf-8"?>
 <p:sld xmlns:a="http://schemas.openxmlformats.org/drawingml/2006/main" xmlns:r="http://schemas.openxmlformats.org/officeDocument/2006/relationships" xmlns:p="http://schemas.openxmlformats.org/presentationml/2006/main">
   <p:cSld>
     <p:spTree>
@@ -4045,7 +4828,7 @@
 </p:sld>
 </file>
 
-<file path=ppt/slides/slide13.xml><?xml version="1.0" encoding="utf-8"?>
+<file path=ppt/slides/slide12.xml><?xml version="1.0" encoding="utf-8"?>
 <p:sld xmlns:a="http://schemas.openxmlformats.org/drawingml/2006/main" xmlns:r="http://schemas.openxmlformats.org/officeDocument/2006/relationships" xmlns:p="http://schemas.openxmlformats.org/presentationml/2006/main">
   <p:cSld>
     <p:spTree>
@@ -4091,31 +4874,1142 @@
           </a:p>
         </p:txBody>
       </p:sp>
-      <p:sp>
-        <p:nvSpPr>
-          <p:cNvPr id="3" name="Content Placeholder 2">
+      <p:graphicFrame>
+        <p:nvGraphicFramePr>
+          <p:cNvPr id="4" name="Content Placeholder 3">
             <a:extLst>
               <a:ext uri="{FF2B5EF4-FFF2-40B4-BE49-F238E27FC236}">
-                <a16:creationId xmlns:a16="http://schemas.microsoft.com/office/drawing/2014/main" id="{B48ABC9D-8548-A1CB-8C9E-2DC969567D23}"/>
+                <a16:creationId xmlns:a16="http://schemas.microsoft.com/office/drawing/2014/main" id="{EA311DCA-1196-82E9-0900-4DD9AAE23C8D}"/>
               </a:ext>
             </a:extLst>
           </p:cNvPr>
-          <p:cNvSpPr>
-            <a:spLocks noGrp="1"/>
-          </p:cNvSpPr>
+          <p:cNvGraphicFramePr>
+            <a:graphicFrameLocks noGrp="1"/>
+          </p:cNvGraphicFramePr>
           <p:nvPr>
             <p:ph idx="1"/>
+            <p:extLst>
+              <p:ext uri="{D42A27DB-BD31-4B8C-83A1-F6EECF244321}">
+                <p14:modId xmlns:p14="http://schemas.microsoft.com/office/powerpoint/2010/main" val="427230195"/>
+              </p:ext>
+            </p:extLst>
           </p:nvPr>
-        </p:nvSpPr>
-        <p:spPr/>
-        <p:txBody>
-          <a:bodyPr/>
-          <a:lstStyle/>
-          <a:p>
-            <a:endParaRPr lang="en-US"/>
-          </a:p>
-        </p:txBody>
-      </p:sp>
+        </p:nvGraphicFramePr>
+        <p:xfrm>
+          <a:off x="1026227" y="2001981"/>
+          <a:ext cx="10139545" cy="4054434"/>
+        </p:xfrm>
+        <a:graphic>
+          <a:graphicData uri="http://schemas.openxmlformats.org/drawingml/2006/table">
+            <a:tbl>
+              <a:tblPr firstRow="1" firstCol="1" bandRow="1">
+                <a:tableStyleId>{5C22544A-7EE6-4342-B048-85BDC9FD1C3A}</a:tableStyleId>
+              </a:tblPr>
+              <a:tblGrid>
+                <a:gridCol w="2027909">
+                  <a:extLst>
+                    <a:ext uri="{9D8B030D-6E8A-4147-A177-3AD203B41FA5}">
+                      <a16:colId xmlns:a16="http://schemas.microsoft.com/office/drawing/2014/main" val="2315755443"/>
+                    </a:ext>
+                  </a:extLst>
+                </a:gridCol>
+                <a:gridCol w="2027909">
+                  <a:extLst>
+                    <a:ext uri="{9D8B030D-6E8A-4147-A177-3AD203B41FA5}">
+                      <a16:colId xmlns:a16="http://schemas.microsoft.com/office/drawing/2014/main" val="4175131671"/>
+                    </a:ext>
+                  </a:extLst>
+                </a:gridCol>
+                <a:gridCol w="2027909">
+                  <a:extLst>
+                    <a:ext uri="{9D8B030D-6E8A-4147-A177-3AD203B41FA5}">
+                      <a16:colId xmlns:a16="http://schemas.microsoft.com/office/drawing/2014/main" val="2121099657"/>
+                    </a:ext>
+                  </a:extLst>
+                </a:gridCol>
+                <a:gridCol w="2027909">
+                  <a:extLst>
+                    <a:ext uri="{9D8B030D-6E8A-4147-A177-3AD203B41FA5}">
+                      <a16:colId xmlns:a16="http://schemas.microsoft.com/office/drawing/2014/main" val="2203371668"/>
+                    </a:ext>
+                  </a:extLst>
+                </a:gridCol>
+                <a:gridCol w="2027909">
+                  <a:extLst>
+                    <a:ext uri="{9D8B030D-6E8A-4147-A177-3AD203B41FA5}">
+                      <a16:colId xmlns:a16="http://schemas.microsoft.com/office/drawing/2014/main" val="2767102451"/>
+                    </a:ext>
+                  </a:extLst>
+                </a:gridCol>
+              </a:tblGrid>
+              <a:tr h="283050">
+                <a:tc>
+                  <a:txBody>
+                    <a:bodyPr/>
+                    <a:lstStyle/>
+                    <a:p>
+                      <a:pPr>
+                        <a:lnSpc>
+                          <a:spcPct val="107000"/>
+                        </a:lnSpc>
+                        <a:spcAft>
+                          <a:spcPts val="800"/>
+                        </a:spcAft>
+                      </a:pPr>
+                      <a:r>
+                        <a:rPr lang="ru-RU" sz="1100" kern="100">
+                          <a:effectLst/>
+                        </a:rPr>
+                        <a:t> </a:t>
+                      </a:r>
+                      <a:endParaRPr lang="en-US" sz="1100" kern="100">
+                        <a:effectLst/>
+                        <a:latin typeface="Calibri" panose="020F0502020204030204" pitchFamily="34" charset="0"/>
+                        <a:ea typeface="Calibri" panose="020F0502020204030204" pitchFamily="34" charset="0"/>
+                        <a:cs typeface="Arial" panose="020B0604020202020204" pitchFamily="34" charset="0"/>
+                      </a:endParaRPr>
+                    </a:p>
+                  </a:txBody>
+                  <a:tcPr marL="68580" marR="68580" marT="0" marB="0"/>
+                </a:tc>
+                <a:tc>
+                  <a:txBody>
+                    <a:bodyPr/>
+                    <a:lstStyle/>
+                    <a:p>
+                      <a:pPr>
+                        <a:lnSpc>
+                          <a:spcPct val="107000"/>
+                        </a:lnSpc>
+                        <a:spcAft>
+                          <a:spcPts val="800"/>
+                        </a:spcAft>
+                      </a:pPr>
+                      <a:r>
+                        <a:rPr lang="en-US" sz="1100" kern="100">
+                          <a:effectLst/>
+                        </a:rPr>
+                        <a:t>S</a:t>
+                      </a:r>
+                      <a:endParaRPr lang="en-US" sz="1100" kern="100">
+                        <a:effectLst/>
+                        <a:latin typeface="Calibri" panose="020F0502020204030204" pitchFamily="34" charset="0"/>
+                        <a:ea typeface="Calibri" panose="020F0502020204030204" pitchFamily="34" charset="0"/>
+                        <a:cs typeface="Arial" panose="020B0604020202020204" pitchFamily="34" charset="0"/>
+                      </a:endParaRPr>
+                    </a:p>
+                  </a:txBody>
+                  <a:tcPr marL="68580" marR="68580" marT="0" marB="0"/>
+                </a:tc>
+                <a:tc>
+                  <a:txBody>
+                    <a:bodyPr/>
+                    <a:lstStyle/>
+                    <a:p>
+                      <a:pPr>
+                        <a:lnSpc>
+                          <a:spcPct val="107000"/>
+                        </a:lnSpc>
+                        <a:spcAft>
+                          <a:spcPts val="800"/>
+                        </a:spcAft>
+                      </a:pPr>
+                      <a:r>
+                        <a:rPr lang="en-US" sz="1100" kern="100">
+                          <a:effectLst/>
+                        </a:rPr>
+                        <a:t>L</a:t>
+                      </a:r>
+                      <a:endParaRPr lang="en-US" sz="1100" kern="100">
+                        <a:effectLst/>
+                        <a:latin typeface="Calibri" panose="020F0502020204030204" pitchFamily="34" charset="0"/>
+                        <a:ea typeface="Calibri" panose="020F0502020204030204" pitchFamily="34" charset="0"/>
+                        <a:cs typeface="Arial" panose="020B0604020202020204" pitchFamily="34" charset="0"/>
+                      </a:endParaRPr>
+                    </a:p>
+                  </a:txBody>
+                  <a:tcPr marL="68580" marR="68580" marT="0" marB="0"/>
+                </a:tc>
+                <a:tc>
+                  <a:txBody>
+                    <a:bodyPr/>
+                    <a:lstStyle/>
+                    <a:p>
+                      <a:pPr>
+                        <a:lnSpc>
+                          <a:spcPct val="107000"/>
+                        </a:lnSpc>
+                        <a:spcAft>
+                          <a:spcPts val="800"/>
+                        </a:spcAft>
+                      </a:pPr>
+                      <a:r>
+                        <a:rPr lang="en-US" sz="1100" kern="100">
+                          <a:effectLst/>
+                        </a:rPr>
+                        <a:t>D</a:t>
+                      </a:r>
+                      <a:endParaRPr lang="en-US" sz="1100" kern="100">
+                        <a:effectLst/>
+                        <a:latin typeface="Calibri" panose="020F0502020204030204" pitchFamily="34" charset="0"/>
+                        <a:ea typeface="Calibri" panose="020F0502020204030204" pitchFamily="34" charset="0"/>
+                        <a:cs typeface="Arial" panose="020B0604020202020204" pitchFamily="34" charset="0"/>
+                      </a:endParaRPr>
+                    </a:p>
+                  </a:txBody>
+                  <a:tcPr marL="68580" marR="68580" marT="0" marB="0"/>
+                </a:tc>
+                <a:tc>
+                  <a:txBody>
+                    <a:bodyPr/>
+                    <a:lstStyle/>
+                    <a:p>
+                      <a:pPr>
+                        <a:lnSpc>
+                          <a:spcPct val="107000"/>
+                        </a:lnSpc>
+                        <a:spcAft>
+                          <a:spcPts val="800"/>
+                        </a:spcAft>
+                      </a:pPr>
+                      <a:r>
+                        <a:rPr lang="en-US" sz="1100" kern="100">
+                          <a:effectLst/>
+                        </a:rPr>
+                        <a:t>PND</a:t>
+                      </a:r>
+                      <a:endParaRPr lang="en-US" sz="1100" kern="100">
+                        <a:effectLst/>
+                        <a:latin typeface="Calibri" panose="020F0502020204030204" pitchFamily="34" charset="0"/>
+                        <a:ea typeface="Calibri" panose="020F0502020204030204" pitchFamily="34" charset="0"/>
+                        <a:cs typeface="Arial" panose="020B0604020202020204" pitchFamily="34" charset="0"/>
+                      </a:endParaRPr>
+                    </a:p>
+                  </a:txBody>
+                  <a:tcPr marL="68580" marR="68580" marT="0" marB="0"/>
+                </a:tc>
+                <a:extLst>
+                  <a:ext uri="{0D108BD9-81ED-4DB2-BD59-A6C34878D82A}">
+                    <a16:rowId xmlns:a16="http://schemas.microsoft.com/office/drawing/2014/main" val="2973721661"/>
+                  </a:ext>
+                </a:extLst>
+              </a:tr>
+              <a:tr h="579205">
+                <a:tc>
+                  <a:txBody>
+                    <a:bodyPr/>
+                    <a:lstStyle/>
+                    <a:p>
+                      <a:pPr>
+                        <a:lnSpc>
+                          <a:spcPct val="107000"/>
+                        </a:lnSpc>
+                        <a:spcAft>
+                          <a:spcPts val="800"/>
+                        </a:spcAft>
+                      </a:pPr>
+                      <a:r>
+                        <a:rPr lang="bg-BG" sz="1100" kern="100">
+                          <a:effectLst/>
+                        </a:rPr>
+                        <a:t>Недостиг на време</a:t>
+                      </a:r>
+                      <a:endParaRPr lang="en-US" sz="1100" kern="100">
+                        <a:effectLst/>
+                        <a:latin typeface="Calibri" panose="020F0502020204030204" pitchFamily="34" charset="0"/>
+                        <a:ea typeface="Calibri" panose="020F0502020204030204" pitchFamily="34" charset="0"/>
+                        <a:cs typeface="Arial" panose="020B0604020202020204" pitchFamily="34" charset="0"/>
+                      </a:endParaRPr>
+                    </a:p>
+                  </a:txBody>
+                  <a:tcPr marL="68580" marR="68580" marT="0" marB="0"/>
+                </a:tc>
+                <a:tc>
+                  <a:txBody>
+                    <a:bodyPr/>
+                    <a:lstStyle/>
+                    <a:p>
+                      <a:pPr>
+                        <a:lnSpc>
+                          <a:spcPct val="107000"/>
+                        </a:lnSpc>
+                        <a:spcAft>
+                          <a:spcPts val="800"/>
+                        </a:spcAft>
+                      </a:pPr>
+                      <a:r>
+                        <a:rPr lang="en-US" sz="1100" kern="100">
+                          <a:effectLst/>
+                        </a:rPr>
+                        <a:t>8</a:t>
+                      </a:r>
+                      <a:endParaRPr lang="en-US" sz="1100" kern="100">
+                        <a:effectLst/>
+                        <a:latin typeface="Calibri" panose="020F0502020204030204" pitchFamily="34" charset="0"/>
+                        <a:ea typeface="Calibri" panose="020F0502020204030204" pitchFamily="34" charset="0"/>
+                        <a:cs typeface="Arial" panose="020B0604020202020204" pitchFamily="34" charset="0"/>
+                      </a:endParaRPr>
+                    </a:p>
+                  </a:txBody>
+                  <a:tcPr marL="68580" marR="68580" marT="0" marB="0"/>
+                </a:tc>
+                <a:tc>
+                  <a:txBody>
+                    <a:bodyPr/>
+                    <a:lstStyle/>
+                    <a:p>
+                      <a:pPr>
+                        <a:lnSpc>
+                          <a:spcPct val="107000"/>
+                        </a:lnSpc>
+                        <a:spcAft>
+                          <a:spcPts val="800"/>
+                        </a:spcAft>
+                      </a:pPr>
+                      <a:r>
+                        <a:rPr lang="en-US" sz="1100" kern="100">
+                          <a:effectLst/>
+                        </a:rPr>
+                        <a:t>4</a:t>
+                      </a:r>
+                      <a:endParaRPr lang="en-US" sz="1100" kern="100">
+                        <a:effectLst/>
+                        <a:latin typeface="Calibri" panose="020F0502020204030204" pitchFamily="34" charset="0"/>
+                        <a:ea typeface="Calibri" panose="020F0502020204030204" pitchFamily="34" charset="0"/>
+                        <a:cs typeface="Arial" panose="020B0604020202020204" pitchFamily="34" charset="0"/>
+                      </a:endParaRPr>
+                    </a:p>
+                  </a:txBody>
+                  <a:tcPr marL="68580" marR="68580" marT="0" marB="0"/>
+                </a:tc>
+                <a:tc>
+                  <a:txBody>
+                    <a:bodyPr/>
+                    <a:lstStyle/>
+                    <a:p>
+                      <a:pPr>
+                        <a:lnSpc>
+                          <a:spcPct val="107000"/>
+                        </a:lnSpc>
+                        <a:spcAft>
+                          <a:spcPts val="800"/>
+                        </a:spcAft>
+                      </a:pPr>
+                      <a:r>
+                        <a:rPr lang="en-US" sz="1100" kern="100">
+                          <a:effectLst/>
+                        </a:rPr>
+                        <a:t>4</a:t>
+                      </a:r>
+                      <a:endParaRPr lang="en-US" sz="1100" kern="100">
+                        <a:effectLst/>
+                        <a:latin typeface="Calibri" panose="020F0502020204030204" pitchFamily="34" charset="0"/>
+                        <a:ea typeface="Calibri" panose="020F0502020204030204" pitchFamily="34" charset="0"/>
+                        <a:cs typeface="Arial" panose="020B0604020202020204" pitchFamily="34" charset="0"/>
+                      </a:endParaRPr>
+                    </a:p>
+                  </a:txBody>
+                  <a:tcPr marL="68580" marR="68580" marT="0" marB="0"/>
+                </a:tc>
+                <a:tc>
+                  <a:txBody>
+                    <a:bodyPr/>
+                    <a:lstStyle/>
+                    <a:p>
+                      <a:pPr>
+                        <a:lnSpc>
+                          <a:spcPct val="107000"/>
+                        </a:lnSpc>
+                        <a:spcAft>
+                          <a:spcPts val="800"/>
+                        </a:spcAft>
+                      </a:pPr>
+                      <a:r>
+                        <a:rPr lang="en-US" sz="1100" kern="100">
+                          <a:effectLst/>
+                        </a:rPr>
+                        <a:t>128</a:t>
+                      </a:r>
+                      <a:endParaRPr lang="en-US" sz="1100" kern="100">
+                        <a:effectLst/>
+                        <a:latin typeface="Calibri" panose="020F0502020204030204" pitchFamily="34" charset="0"/>
+                        <a:ea typeface="Calibri" panose="020F0502020204030204" pitchFamily="34" charset="0"/>
+                        <a:cs typeface="Arial" panose="020B0604020202020204" pitchFamily="34" charset="0"/>
+                      </a:endParaRPr>
+                    </a:p>
+                  </a:txBody>
+                  <a:tcPr marL="68580" marR="68580" marT="0" marB="0"/>
+                </a:tc>
+                <a:extLst>
+                  <a:ext uri="{0D108BD9-81ED-4DB2-BD59-A6C34878D82A}">
+                    <a16:rowId xmlns:a16="http://schemas.microsoft.com/office/drawing/2014/main" val="2742621555"/>
+                  </a:ext>
+                </a:extLst>
+              </a:tr>
+              <a:tr h="875359">
+                <a:tc>
+                  <a:txBody>
+                    <a:bodyPr/>
+                    <a:lstStyle/>
+                    <a:p>
+                      <a:pPr>
+                        <a:lnSpc>
+                          <a:spcPct val="107000"/>
+                        </a:lnSpc>
+                        <a:spcAft>
+                          <a:spcPts val="800"/>
+                        </a:spcAft>
+                      </a:pPr>
+                      <a:r>
+                        <a:rPr lang="bg-BG" sz="1100" kern="100">
+                          <a:effectLst/>
+                        </a:rPr>
+                        <a:t>Склада фалира и софтуерът е неизползваем</a:t>
+                      </a:r>
+                      <a:endParaRPr lang="en-US" sz="1100" kern="100">
+                        <a:effectLst/>
+                        <a:latin typeface="Calibri" panose="020F0502020204030204" pitchFamily="34" charset="0"/>
+                        <a:ea typeface="Calibri" panose="020F0502020204030204" pitchFamily="34" charset="0"/>
+                        <a:cs typeface="Arial" panose="020B0604020202020204" pitchFamily="34" charset="0"/>
+                      </a:endParaRPr>
+                    </a:p>
+                  </a:txBody>
+                  <a:tcPr marL="68580" marR="68580" marT="0" marB="0"/>
+                </a:tc>
+                <a:tc>
+                  <a:txBody>
+                    <a:bodyPr/>
+                    <a:lstStyle/>
+                    <a:p>
+                      <a:pPr>
+                        <a:lnSpc>
+                          <a:spcPct val="107000"/>
+                        </a:lnSpc>
+                        <a:spcAft>
+                          <a:spcPts val="800"/>
+                        </a:spcAft>
+                      </a:pPr>
+                      <a:r>
+                        <a:rPr lang="en-US" sz="1100" kern="100">
+                          <a:effectLst/>
+                        </a:rPr>
+                        <a:t>10</a:t>
+                      </a:r>
+                      <a:endParaRPr lang="en-US" sz="1100" kern="100">
+                        <a:effectLst/>
+                        <a:latin typeface="Calibri" panose="020F0502020204030204" pitchFamily="34" charset="0"/>
+                        <a:ea typeface="Calibri" panose="020F0502020204030204" pitchFamily="34" charset="0"/>
+                        <a:cs typeface="Arial" panose="020B0604020202020204" pitchFamily="34" charset="0"/>
+                      </a:endParaRPr>
+                    </a:p>
+                  </a:txBody>
+                  <a:tcPr marL="68580" marR="68580" marT="0" marB="0"/>
+                </a:tc>
+                <a:tc>
+                  <a:txBody>
+                    <a:bodyPr/>
+                    <a:lstStyle/>
+                    <a:p>
+                      <a:pPr>
+                        <a:lnSpc>
+                          <a:spcPct val="107000"/>
+                        </a:lnSpc>
+                        <a:spcAft>
+                          <a:spcPts val="800"/>
+                        </a:spcAft>
+                      </a:pPr>
+                      <a:r>
+                        <a:rPr lang="en-US" sz="1100" kern="100">
+                          <a:effectLst/>
+                        </a:rPr>
+                        <a:t>1</a:t>
+                      </a:r>
+                      <a:endParaRPr lang="en-US" sz="1100" kern="100">
+                        <a:effectLst/>
+                        <a:latin typeface="Calibri" panose="020F0502020204030204" pitchFamily="34" charset="0"/>
+                        <a:ea typeface="Calibri" panose="020F0502020204030204" pitchFamily="34" charset="0"/>
+                        <a:cs typeface="Arial" panose="020B0604020202020204" pitchFamily="34" charset="0"/>
+                      </a:endParaRPr>
+                    </a:p>
+                  </a:txBody>
+                  <a:tcPr marL="68580" marR="68580" marT="0" marB="0"/>
+                </a:tc>
+                <a:tc>
+                  <a:txBody>
+                    <a:bodyPr/>
+                    <a:lstStyle/>
+                    <a:p>
+                      <a:pPr>
+                        <a:lnSpc>
+                          <a:spcPct val="107000"/>
+                        </a:lnSpc>
+                        <a:spcAft>
+                          <a:spcPts val="800"/>
+                        </a:spcAft>
+                      </a:pPr>
+                      <a:r>
+                        <a:rPr lang="en-US" sz="1100" kern="100">
+                          <a:effectLst/>
+                        </a:rPr>
+                        <a:t>10</a:t>
+                      </a:r>
+                      <a:endParaRPr lang="en-US" sz="1100" kern="100">
+                        <a:effectLst/>
+                        <a:latin typeface="Calibri" panose="020F0502020204030204" pitchFamily="34" charset="0"/>
+                        <a:ea typeface="Calibri" panose="020F0502020204030204" pitchFamily="34" charset="0"/>
+                        <a:cs typeface="Arial" panose="020B0604020202020204" pitchFamily="34" charset="0"/>
+                      </a:endParaRPr>
+                    </a:p>
+                  </a:txBody>
+                  <a:tcPr marL="68580" marR="68580" marT="0" marB="0"/>
+                </a:tc>
+                <a:tc>
+                  <a:txBody>
+                    <a:bodyPr/>
+                    <a:lstStyle/>
+                    <a:p>
+                      <a:pPr>
+                        <a:lnSpc>
+                          <a:spcPct val="107000"/>
+                        </a:lnSpc>
+                        <a:spcAft>
+                          <a:spcPts val="800"/>
+                        </a:spcAft>
+                      </a:pPr>
+                      <a:r>
+                        <a:rPr lang="en-US" sz="1100" kern="100">
+                          <a:effectLst/>
+                        </a:rPr>
+                        <a:t>100</a:t>
+                      </a:r>
+                      <a:endParaRPr lang="en-US" sz="1100" kern="100">
+                        <a:effectLst/>
+                        <a:latin typeface="Calibri" panose="020F0502020204030204" pitchFamily="34" charset="0"/>
+                        <a:ea typeface="Calibri" panose="020F0502020204030204" pitchFamily="34" charset="0"/>
+                        <a:cs typeface="Arial" panose="020B0604020202020204" pitchFamily="34" charset="0"/>
+                      </a:endParaRPr>
+                    </a:p>
+                  </a:txBody>
+                  <a:tcPr marL="68580" marR="68580" marT="0" marB="0"/>
+                </a:tc>
+                <a:extLst>
+                  <a:ext uri="{0D108BD9-81ED-4DB2-BD59-A6C34878D82A}">
+                    <a16:rowId xmlns:a16="http://schemas.microsoft.com/office/drawing/2014/main" val="3652132339"/>
+                  </a:ext>
+                </a:extLst>
+              </a:tr>
+              <a:tr h="579205">
+                <a:tc>
+                  <a:txBody>
+                    <a:bodyPr/>
+                    <a:lstStyle/>
+                    <a:p>
+                      <a:pPr>
+                        <a:lnSpc>
+                          <a:spcPct val="107000"/>
+                        </a:lnSpc>
+                        <a:spcAft>
+                          <a:spcPts val="800"/>
+                        </a:spcAft>
+                      </a:pPr>
+                      <a:r>
+                        <a:rPr lang="bg-BG" sz="1100" kern="100">
+                          <a:effectLst/>
+                        </a:rPr>
+                        <a:t>Програмист в болнични</a:t>
+                      </a:r>
+                      <a:endParaRPr lang="en-US" sz="1100" kern="100">
+                        <a:effectLst/>
+                        <a:latin typeface="Calibri" panose="020F0502020204030204" pitchFamily="34" charset="0"/>
+                        <a:ea typeface="Calibri" panose="020F0502020204030204" pitchFamily="34" charset="0"/>
+                        <a:cs typeface="Arial" panose="020B0604020202020204" pitchFamily="34" charset="0"/>
+                      </a:endParaRPr>
+                    </a:p>
+                  </a:txBody>
+                  <a:tcPr marL="68580" marR="68580" marT="0" marB="0"/>
+                </a:tc>
+                <a:tc>
+                  <a:txBody>
+                    <a:bodyPr/>
+                    <a:lstStyle/>
+                    <a:p>
+                      <a:pPr>
+                        <a:lnSpc>
+                          <a:spcPct val="107000"/>
+                        </a:lnSpc>
+                        <a:spcAft>
+                          <a:spcPts val="800"/>
+                        </a:spcAft>
+                      </a:pPr>
+                      <a:r>
+                        <a:rPr lang="en-US" sz="1100" kern="100">
+                          <a:effectLst/>
+                        </a:rPr>
+                        <a:t>9</a:t>
+                      </a:r>
+                      <a:endParaRPr lang="en-US" sz="1100" kern="100">
+                        <a:effectLst/>
+                        <a:latin typeface="Calibri" panose="020F0502020204030204" pitchFamily="34" charset="0"/>
+                        <a:ea typeface="Calibri" panose="020F0502020204030204" pitchFamily="34" charset="0"/>
+                        <a:cs typeface="Arial" panose="020B0604020202020204" pitchFamily="34" charset="0"/>
+                      </a:endParaRPr>
+                    </a:p>
+                  </a:txBody>
+                  <a:tcPr marL="68580" marR="68580" marT="0" marB="0"/>
+                </a:tc>
+                <a:tc>
+                  <a:txBody>
+                    <a:bodyPr/>
+                    <a:lstStyle/>
+                    <a:p>
+                      <a:pPr>
+                        <a:lnSpc>
+                          <a:spcPct val="107000"/>
+                        </a:lnSpc>
+                        <a:spcAft>
+                          <a:spcPts val="800"/>
+                        </a:spcAft>
+                      </a:pPr>
+                      <a:r>
+                        <a:rPr lang="en-US" sz="1100" kern="100">
+                          <a:effectLst/>
+                        </a:rPr>
+                        <a:t>2</a:t>
+                      </a:r>
+                      <a:endParaRPr lang="en-US" sz="1100" kern="100">
+                        <a:effectLst/>
+                        <a:latin typeface="Calibri" panose="020F0502020204030204" pitchFamily="34" charset="0"/>
+                        <a:ea typeface="Calibri" panose="020F0502020204030204" pitchFamily="34" charset="0"/>
+                        <a:cs typeface="Arial" panose="020B0604020202020204" pitchFamily="34" charset="0"/>
+                      </a:endParaRPr>
+                    </a:p>
+                  </a:txBody>
+                  <a:tcPr marL="68580" marR="68580" marT="0" marB="0"/>
+                </a:tc>
+                <a:tc>
+                  <a:txBody>
+                    <a:bodyPr/>
+                    <a:lstStyle/>
+                    <a:p>
+                      <a:pPr>
+                        <a:lnSpc>
+                          <a:spcPct val="107000"/>
+                        </a:lnSpc>
+                        <a:spcAft>
+                          <a:spcPts val="800"/>
+                        </a:spcAft>
+                      </a:pPr>
+                      <a:r>
+                        <a:rPr lang="en-US" sz="1100" kern="100">
+                          <a:effectLst/>
+                        </a:rPr>
+                        <a:t>3</a:t>
+                      </a:r>
+                      <a:endParaRPr lang="en-US" sz="1100" kern="100">
+                        <a:effectLst/>
+                        <a:latin typeface="Calibri" panose="020F0502020204030204" pitchFamily="34" charset="0"/>
+                        <a:ea typeface="Calibri" panose="020F0502020204030204" pitchFamily="34" charset="0"/>
+                        <a:cs typeface="Arial" panose="020B0604020202020204" pitchFamily="34" charset="0"/>
+                      </a:endParaRPr>
+                    </a:p>
+                  </a:txBody>
+                  <a:tcPr marL="68580" marR="68580" marT="0" marB="0"/>
+                </a:tc>
+                <a:tc>
+                  <a:txBody>
+                    <a:bodyPr/>
+                    <a:lstStyle/>
+                    <a:p>
+                      <a:pPr>
+                        <a:lnSpc>
+                          <a:spcPct val="107000"/>
+                        </a:lnSpc>
+                        <a:spcAft>
+                          <a:spcPts val="800"/>
+                        </a:spcAft>
+                      </a:pPr>
+                      <a:r>
+                        <a:rPr lang="en-US" sz="1100" kern="100">
+                          <a:effectLst/>
+                        </a:rPr>
+                        <a:t>54</a:t>
+                      </a:r>
+                      <a:endParaRPr lang="en-US" sz="1100" kern="100">
+                        <a:effectLst/>
+                        <a:latin typeface="Calibri" panose="020F0502020204030204" pitchFamily="34" charset="0"/>
+                        <a:ea typeface="Calibri" panose="020F0502020204030204" pitchFamily="34" charset="0"/>
+                        <a:cs typeface="Arial" panose="020B0604020202020204" pitchFamily="34" charset="0"/>
+                      </a:endParaRPr>
+                    </a:p>
+                  </a:txBody>
+                  <a:tcPr marL="68580" marR="68580" marT="0" marB="0"/>
+                </a:tc>
+                <a:extLst>
+                  <a:ext uri="{0D108BD9-81ED-4DB2-BD59-A6C34878D82A}">
+                    <a16:rowId xmlns:a16="http://schemas.microsoft.com/office/drawing/2014/main" val="2976396748"/>
+                  </a:ext>
+                </a:extLst>
+              </a:tr>
+              <a:tr h="579205">
+                <a:tc>
+                  <a:txBody>
+                    <a:bodyPr/>
+                    <a:lstStyle/>
+                    <a:p>
+                      <a:pPr>
+                        <a:lnSpc>
+                          <a:spcPct val="107000"/>
+                        </a:lnSpc>
+                        <a:spcAft>
+                          <a:spcPts val="800"/>
+                        </a:spcAft>
+                      </a:pPr>
+                      <a:r>
+                        <a:rPr lang="bg-BG" sz="1100" kern="100">
+                          <a:effectLst/>
+                        </a:rPr>
+                        <a:t>Объркване в заданието</a:t>
+                      </a:r>
+                      <a:endParaRPr lang="en-US" sz="1100" kern="100">
+                        <a:effectLst/>
+                        <a:latin typeface="Calibri" panose="020F0502020204030204" pitchFamily="34" charset="0"/>
+                        <a:ea typeface="Calibri" panose="020F0502020204030204" pitchFamily="34" charset="0"/>
+                        <a:cs typeface="Arial" panose="020B0604020202020204" pitchFamily="34" charset="0"/>
+                      </a:endParaRPr>
+                    </a:p>
+                  </a:txBody>
+                  <a:tcPr marL="68580" marR="68580" marT="0" marB="0"/>
+                </a:tc>
+                <a:tc>
+                  <a:txBody>
+                    <a:bodyPr/>
+                    <a:lstStyle/>
+                    <a:p>
+                      <a:pPr>
+                        <a:lnSpc>
+                          <a:spcPct val="107000"/>
+                        </a:lnSpc>
+                        <a:spcAft>
+                          <a:spcPts val="800"/>
+                        </a:spcAft>
+                      </a:pPr>
+                      <a:r>
+                        <a:rPr lang="en-US" sz="1100" kern="100">
+                          <a:effectLst/>
+                        </a:rPr>
+                        <a:t>7</a:t>
+                      </a:r>
+                      <a:endParaRPr lang="en-US" sz="1100" kern="100">
+                        <a:effectLst/>
+                        <a:latin typeface="Calibri" panose="020F0502020204030204" pitchFamily="34" charset="0"/>
+                        <a:ea typeface="Calibri" panose="020F0502020204030204" pitchFamily="34" charset="0"/>
+                        <a:cs typeface="Arial" panose="020B0604020202020204" pitchFamily="34" charset="0"/>
+                      </a:endParaRPr>
+                    </a:p>
+                  </a:txBody>
+                  <a:tcPr marL="68580" marR="68580" marT="0" marB="0"/>
+                </a:tc>
+                <a:tc>
+                  <a:txBody>
+                    <a:bodyPr/>
+                    <a:lstStyle/>
+                    <a:p>
+                      <a:pPr>
+                        <a:lnSpc>
+                          <a:spcPct val="107000"/>
+                        </a:lnSpc>
+                        <a:spcAft>
+                          <a:spcPts val="800"/>
+                        </a:spcAft>
+                      </a:pPr>
+                      <a:r>
+                        <a:rPr lang="en-US" sz="1100" kern="100">
+                          <a:effectLst/>
+                        </a:rPr>
+                        <a:t>3</a:t>
+                      </a:r>
+                      <a:endParaRPr lang="en-US" sz="1100" kern="100">
+                        <a:effectLst/>
+                        <a:latin typeface="Calibri" panose="020F0502020204030204" pitchFamily="34" charset="0"/>
+                        <a:ea typeface="Calibri" panose="020F0502020204030204" pitchFamily="34" charset="0"/>
+                        <a:cs typeface="Arial" panose="020B0604020202020204" pitchFamily="34" charset="0"/>
+                      </a:endParaRPr>
+                    </a:p>
+                  </a:txBody>
+                  <a:tcPr marL="68580" marR="68580" marT="0" marB="0"/>
+                </a:tc>
+                <a:tc>
+                  <a:txBody>
+                    <a:bodyPr/>
+                    <a:lstStyle/>
+                    <a:p>
+                      <a:pPr>
+                        <a:lnSpc>
+                          <a:spcPct val="107000"/>
+                        </a:lnSpc>
+                        <a:spcAft>
+                          <a:spcPts val="800"/>
+                        </a:spcAft>
+                      </a:pPr>
+                      <a:r>
+                        <a:rPr lang="en-US" sz="1100" kern="100">
+                          <a:effectLst/>
+                        </a:rPr>
+                        <a:t>2</a:t>
+                      </a:r>
+                      <a:endParaRPr lang="en-US" sz="1100" kern="100">
+                        <a:effectLst/>
+                        <a:latin typeface="Calibri" panose="020F0502020204030204" pitchFamily="34" charset="0"/>
+                        <a:ea typeface="Calibri" panose="020F0502020204030204" pitchFamily="34" charset="0"/>
+                        <a:cs typeface="Arial" panose="020B0604020202020204" pitchFamily="34" charset="0"/>
+                      </a:endParaRPr>
+                    </a:p>
+                  </a:txBody>
+                  <a:tcPr marL="68580" marR="68580" marT="0" marB="0"/>
+                </a:tc>
+                <a:tc>
+                  <a:txBody>
+                    <a:bodyPr/>
+                    <a:lstStyle/>
+                    <a:p>
+                      <a:pPr>
+                        <a:lnSpc>
+                          <a:spcPct val="107000"/>
+                        </a:lnSpc>
+                        <a:spcAft>
+                          <a:spcPts val="800"/>
+                        </a:spcAft>
+                      </a:pPr>
+                      <a:r>
+                        <a:rPr lang="en-US" sz="1100" kern="100">
+                          <a:effectLst/>
+                        </a:rPr>
+                        <a:t>42</a:t>
+                      </a:r>
+                      <a:endParaRPr lang="en-US" sz="1100" kern="100">
+                        <a:effectLst/>
+                        <a:latin typeface="Calibri" panose="020F0502020204030204" pitchFamily="34" charset="0"/>
+                        <a:ea typeface="Calibri" panose="020F0502020204030204" pitchFamily="34" charset="0"/>
+                        <a:cs typeface="Arial" panose="020B0604020202020204" pitchFamily="34" charset="0"/>
+                      </a:endParaRPr>
+                    </a:p>
+                  </a:txBody>
+                  <a:tcPr marL="68580" marR="68580" marT="0" marB="0"/>
+                </a:tc>
+                <a:extLst>
+                  <a:ext uri="{0D108BD9-81ED-4DB2-BD59-A6C34878D82A}">
+                    <a16:rowId xmlns:a16="http://schemas.microsoft.com/office/drawing/2014/main" val="1515622740"/>
+                  </a:ext>
+                </a:extLst>
+              </a:tr>
+              <a:tr h="579205">
+                <a:tc>
+                  <a:txBody>
+                    <a:bodyPr/>
+                    <a:lstStyle/>
+                    <a:p>
+                      <a:pPr>
+                        <a:lnSpc>
+                          <a:spcPct val="107000"/>
+                        </a:lnSpc>
+                        <a:spcAft>
+                          <a:spcPts val="800"/>
+                        </a:spcAft>
+                      </a:pPr>
+                      <a:r>
+                        <a:rPr lang="bg-BG" sz="1100" kern="100">
+                          <a:effectLst/>
+                        </a:rPr>
+                        <a:t>Спиране на интернет в офиса</a:t>
+                      </a:r>
+                      <a:endParaRPr lang="en-US" sz="1100" kern="100">
+                        <a:effectLst/>
+                        <a:latin typeface="Calibri" panose="020F0502020204030204" pitchFamily="34" charset="0"/>
+                        <a:ea typeface="Calibri" panose="020F0502020204030204" pitchFamily="34" charset="0"/>
+                        <a:cs typeface="Arial" panose="020B0604020202020204" pitchFamily="34" charset="0"/>
+                      </a:endParaRPr>
+                    </a:p>
+                  </a:txBody>
+                  <a:tcPr marL="68580" marR="68580" marT="0" marB="0"/>
+                </a:tc>
+                <a:tc>
+                  <a:txBody>
+                    <a:bodyPr/>
+                    <a:lstStyle/>
+                    <a:p>
+                      <a:pPr>
+                        <a:lnSpc>
+                          <a:spcPct val="107000"/>
+                        </a:lnSpc>
+                        <a:spcAft>
+                          <a:spcPts val="800"/>
+                        </a:spcAft>
+                      </a:pPr>
+                      <a:r>
+                        <a:rPr lang="en-US" sz="1100" kern="100">
+                          <a:effectLst/>
+                        </a:rPr>
+                        <a:t>4</a:t>
+                      </a:r>
+                      <a:endParaRPr lang="en-US" sz="1100" kern="100">
+                        <a:effectLst/>
+                        <a:latin typeface="Calibri" panose="020F0502020204030204" pitchFamily="34" charset="0"/>
+                        <a:ea typeface="Calibri" panose="020F0502020204030204" pitchFamily="34" charset="0"/>
+                        <a:cs typeface="Arial" panose="020B0604020202020204" pitchFamily="34" charset="0"/>
+                      </a:endParaRPr>
+                    </a:p>
+                  </a:txBody>
+                  <a:tcPr marL="68580" marR="68580" marT="0" marB="0"/>
+                </a:tc>
+                <a:tc>
+                  <a:txBody>
+                    <a:bodyPr/>
+                    <a:lstStyle/>
+                    <a:p>
+                      <a:pPr>
+                        <a:lnSpc>
+                          <a:spcPct val="107000"/>
+                        </a:lnSpc>
+                        <a:spcAft>
+                          <a:spcPts val="800"/>
+                        </a:spcAft>
+                      </a:pPr>
+                      <a:r>
+                        <a:rPr lang="en-US" sz="1100" kern="100">
+                          <a:effectLst/>
+                        </a:rPr>
+                        <a:t>1</a:t>
+                      </a:r>
+                      <a:endParaRPr lang="en-US" sz="1100" kern="100">
+                        <a:effectLst/>
+                        <a:latin typeface="Calibri" panose="020F0502020204030204" pitchFamily="34" charset="0"/>
+                        <a:ea typeface="Calibri" panose="020F0502020204030204" pitchFamily="34" charset="0"/>
+                        <a:cs typeface="Arial" panose="020B0604020202020204" pitchFamily="34" charset="0"/>
+                      </a:endParaRPr>
+                    </a:p>
+                  </a:txBody>
+                  <a:tcPr marL="68580" marR="68580" marT="0" marB="0"/>
+                </a:tc>
+                <a:tc>
+                  <a:txBody>
+                    <a:bodyPr/>
+                    <a:lstStyle/>
+                    <a:p>
+                      <a:pPr>
+                        <a:lnSpc>
+                          <a:spcPct val="107000"/>
+                        </a:lnSpc>
+                        <a:spcAft>
+                          <a:spcPts val="800"/>
+                        </a:spcAft>
+                      </a:pPr>
+                      <a:r>
+                        <a:rPr lang="en-US" sz="1100" kern="100">
+                          <a:effectLst/>
+                        </a:rPr>
+                        <a:t>10</a:t>
+                      </a:r>
+                      <a:endParaRPr lang="en-US" sz="1100" kern="100">
+                        <a:effectLst/>
+                        <a:latin typeface="Calibri" panose="020F0502020204030204" pitchFamily="34" charset="0"/>
+                        <a:ea typeface="Calibri" panose="020F0502020204030204" pitchFamily="34" charset="0"/>
+                        <a:cs typeface="Arial" panose="020B0604020202020204" pitchFamily="34" charset="0"/>
+                      </a:endParaRPr>
+                    </a:p>
+                  </a:txBody>
+                  <a:tcPr marL="68580" marR="68580" marT="0" marB="0"/>
+                </a:tc>
+                <a:tc>
+                  <a:txBody>
+                    <a:bodyPr/>
+                    <a:lstStyle/>
+                    <a:p>
+                      <a:pPr>
+                        <a:lnSpc>
+                          <a:spcPct val="107000"/>
+                        </a:lnSpc>
+                        <a:spcAft>
+                          <a:spcPts val="800"/>
+                        </a:spcAft>
+                      </a:pPr>
+                      <a:r>
+                        <a:rPr lang="en-US" sz="1100" kern="100">
+                          <a:effectLst/>
+                        </a:rPr>
+                        <a:t>40</a:t>
+                      </a:r>
+                      <a:endParaRPr lang="en-US" sz="1100" kern="100">
+                        <a:effectLst/>
+                        <a:latin typeface="Calibri" panose="020F0502020204030204" pitchFamily="34" charset="0"/>
+                        <a:ea typeface="Calibri" panose="020F0502020204030204" pitchFamily="34" charset="0"/>
+                        <a:cs typeface="Arial" panose="020B0604020202020204" pitchFamily="34" charset="0"/>
+                      </a:endParaRPr>
+                    </a:p>
+                  </a:txBody>
+                  <a:tcPr marL="68580" marR="68580" marT="0" marB="0"/>
+                </a:tc>
+                <a:extLst>
+                  <a:ext uri="{0D108BD9-81ED-4DB2-BD59-A6C34878D82A}">
+                    <a16:rowId xmlns:a16="http://schemas.microsoft.com/office/drawing/2014/main" val="1356627535"/>
+                  </a:ext>
+                </a:extLst>
+              </a:tr>
+              <a:tr h="579205">
+                <a:tc>
+                  <a:txBody>
+                    <a:bodyPr/>
+                    <a:lstStyle/>
+                    <a:p>
+                      <a:pPr>
+                        <a:lnSpc>
+                          <a:spcPct val="107000"/>
+                        </a:lnSpc>
+                        <a:spcAft>
+                          <a:spcPts val="800"/>
+                        </a:spcAft>
+                      </a:pPr>
+                      <a:r>
+                        <a:rPr lang="bg-BG" sz="1100" kern="100">
+                          <a:effectLst/>
+                        </a:rPr>
+                        <a:t>Спиране на тока в офиса</a:t>
+                      </a:r>
+                      <a:endParaRPr lang="en-US" sz="1100" kern="100">
+                        <a:effectLst/>
+                        <a:latin typeface="Calibri" panose="020F0502020204030204" pitchFamily="34" charset="0"/>
+                        <a:ea typeface="Calibri" panose="020F0502020204030204" pitchFamily="34" charset="0"/>
+                        <a:cs typeface="Arial" panose="020B0604020202020204" pitchFamily="34" charset="0"/>
+                      </a:endParaRPr>
+                    </a:p>
+                  </a:txBody>
+                  <a:tcPr marL="68580" marR="68580" marT="0" marB="0"/>
+                </a:tc>
+                <a:tc>
+                  <a:txBody>
+                    <a:bodyPr/>
+                    <a:lstStyle/>
+                    <a:p>
+                      <a:pPr>
+                        <a:lnSpc>
+                          <a:spcPct val="107000"/>
+                        </a:lnSpc>
+                        <a:spcAft>
+                          <a:spcPts val="800"/>
+                        </a:spcAft>
+                      </a:pPr>
+                      <a:r>
+                        <a:rPr lang="en-US" sz="1100" kern="100">
+                          <a:effectLst/>
+                        </a:rPr>
+                        <a:t>1</a:t>
+                      </a:r>
+                      <a:endParaRPr lang="en-US" sz="1100" kern="100">
+                        <a:effectLst/>
+                        <a:latin typeface="Calibri" panose="020F0502020204030204" pitchFamily="34" charset="0"/>
+                        <a:ea typeface="Calibri" panose="020F0502020204030204" pitchFamily="34" charset="0"/>
+                        <a:cs typeface="Arial" panose="020B0604020202020204" pitchFamily="34" charset="0"/>
+                      </a:endParaRPr>
+                    </a:p>
+                  </a:txBody>
+                  <a:tcPr marL="68580" marR="68580" marT="0" marB="0"/>
+                </a:tc>
+                <a:tc>
+                  <a:txBody>
+                    <a:bodyPr/>
+                    <a:lstStyle/>
+                    <a:p>
+                      <a:pPr>
+                        <a:lnSpc>
+                          <a:spcPct val="107000"/>
+                        </a:lnSpc>
+                        <a:spcAft>
+                          <a:spcPts val="800"/>
+                        </a:spcAft>
+                      </a:pPr>
+                      <a:r>
+                        <a:rPr lang="en-US" sz="1100" kern="100">
+                          <a:effectLst/>
+                        </a:rPr>
+                        <a:t>1</a:t>
+                      </a:r>
+                      <a:endParaRPr lang="en-US" sz="1100" kern="100">
+                        <a:effectLst/>
+                        <a:latin typeface="Calibri" panose="020F0502020204030204" pitchFamily="34" charset="0"/>
+                        <a:ea typeface="Calibri" panose="020F0502020204030204" pitchFamily="34" charset="0"/>
+                        <a:cs typeface="Arial" panose="020B0604020202020204" pitchFamily="34" charset="0"/>
+                      </a:endParaRPr>
+                    </a:p>
+                  </a:txBody>
+                  <a:tcPr marL="68580" marR="68580" marT="0" marB="0"/>
+                </a:tc>
+                <a:tc>
+                  <a:txBody>
+                    <a:bodyPr/>
+                    <a:lstStyle/>
+                    <a:p>
+                      <a:pPr>
+                        <a:lnSpc>
+                          <a:spcPct val="107000"/>
+                        </a:lnSpc>
+                        <a:spcAft>
+                          <a:spcPts val="800"/>
+                        </a:spcAft>
+                      </a:pPr>
+                      <a:r>
+                        <a:rPr lang="en-US" sz="1100" kern="100">
+                          <a:effectLst/>
+                        </a:rPr>
+                        <a:t>10</a:t>
+                      </a:r>
+                      <a:endParaRPr lang="en-US" sz="1100" kern="100">
+                        <a:effectLst/>
+                        <a:latin typeface="Calibri" panose="020F0502020204030204" pitchFamily="34" charset="0"/>
+                        <a:ea typeface="Calibri" panose="020F0502020204030204" pitchFamily="34" charset="0"/>
+                        <a:cs typeface="Arial" panose="020B0604020202020204" pitchFamily="34" charset="0"/>
+                      </a:endParaRPr>
+                    </a:p>
+                  </a:txBody>
+                  <a:tcPr marL="68580" marR="68580" marT="0" marB="0"/>
+                </a:tc>
+                <a:tc>
+                  <a:txBody>
+                    <a:bodyPr/>
+                    <a:lstStyle/>
+                    <a:p>
+                      <a:pPr>
+                        <a:lnSpc>
+                          <a:spcPct val="107000"/>
+                        </a:lnSpc>
+                        <a:spcAft>
+                          <a:spcPts val="800"/>
+                        </a:spcAft>
+                      </a:pPr>
+                      <a:r>
+                        <a:rPr lang="en-US" sz="1100" kern="100" dirty="0">
+                          <a:effectLst/>
+                        </a:rPr>
+                        <a:t>10</a:t>
+                      </a:r>
+                      <a:endParaRPr lang="en-US" sz="1100" kern="100" dirty="0">
+                        <a:effectLst/>
+                        <a:latin typeface="Calibri" panose="020F0502020204030204" pitchFamily="34" charset="0"/>
+                        <a:ea typeface="Calibri" panose="020F0502020204030204" pitchFamily="34" charset="0"/>
+                        <a:cs typeface="Arial" panose="020B0604020202020204" pitchFamily="34" charset="0"/>
+                      </a:endParaRPr>
+                    </a:p>
+                  </a:txBody>
+                  <a:tcPr marL="68580" marR="68580" marT="0" marB="0"/>
+                </a:tc>
+                <a:extLst>
+                  <a:ext uri="{0D108BD9-81ED-4DB2-BD59-A6C34878D82A}">
+                    <a16:rowId xmlns:a16="http://schemas.microsoft.com/office/drawing/2014/main" val="712934325"/>
+                  </a:ext>
+                </a:extLst>
+              </a:tr>
+            </a:tbl>
+          </a:graphicData>
+        </a:graphic>
+      </p:graphicFrame>
     </p:spTree>
     <p:extLst>
       <p:ext uri="{BB962C8B-B14F-4D97-AF65-F5344CB8AC3E}">
@@ -4129,7 +6023,7 @@
 </p:sld>
 </file>
 
-<file path=ppt/slides/slide14.xml><?xml version="1.0" encoding="utf-8"?>
+<file path=ppt/slides/slide13.xml><?xml version="1.0" encoding="utf-8"?>
 <p:sld xmlns:a="http://schemas.openxmlformats.org/drawingml/2006/main" xmlns:r="http://schemas.openxmlformats.org/officeDocument/2006/relationships" xmlns:p="http://schemas.openxmlformats.org/presentationml/2006/main">
   <p:cSld>
     <p:spTree>
@@ -4175,12 +6069,99 @@
           </a:p>
         </p:txBody>
       </p:sp>
+      <p:graphicFrame>
+        <p:nvGraphicFramePr>
+          <p:cNvPr id="11" name="Chart 10">
+            <a:extLst>
+              <a:ext uri="{FF2B5EF4-FFF2-40B4-BE49-F238E27FC236}">
+                <a16:creationId xmlns:a16="http://schemas.microsoft.com/office/drawing/2014/main" id="{86C407A5-CDA8-4606-C5DD-58CE0CE58B95}"/>
+              </a:ext>
+            </a:extLst>
+          </p:cNvPr>
+          <p:cNvGraphicFramePr/>
+          <p:nvPr>
+            <p:extLst>
+              <p:ext uri="{D42A27DB-BD31-4B8C-83A1-F6EECF244321}">
+                <p14:modId xmlns:p14="http://schemas.microsoft.com/office/powerpoint/2010/main" val="2745769838"/>
+              </p:ext>
+            </p:extLst>
+          </p:nvPr>
+        </p:nvGraphicFramePr>
+        <p:xfrm>
+          <a:off x="2032000" y="2157731"/>
+          <a:ext cx="8128000" cy="3846395"/>
+        </p:xfrm>
+        <a:graphic>
+          <a:graphicData uri="http://schemas.openxmlformats.org/drawingml/2006/chart">
+            <c:chart xmlns:c="http://schemas.openxmlformats.org/drawingml/2006/chart" xmlns:r="http://schemas.openxmlformats.org/officeDocument/2006/relationships" r:id="rId2"/>
+          </a:graphicData>
+        </a:graphic>
+      </p:graphicFrame>
+    </p:spTree>
+    <p:extLst>
+      <p:ext uri="{BB962C8B-B14F-4D97-AF65-F5344CB8AC3E}">
+        <p14:creationId xmlns:p14="http://schemas.microsoft.com/office/powerpoint/2010/main" val="3736511832"/>
+      </p:ext>
+    </p:extLst>
+  </p:cSld>
+  <p:clrMapOvr>
+    <a:masterClrMapping/>
+  </p:clrMapOvr>
+</p:sld>
+</file>
+
+<file path=ppt/slides/slide2.xml><?xml version="1.0" encoding="utf-8"?>
+<p:sld xmlns:a="http://schemas.openxmlformats.org/drawingml/2006/main" xmlns:r="http://schemas.openxmlformats.org/officeDocument/2006/relationships" xmlns:p="http://schemas.openxmlformats.org/presentationml/2006/main">
+  <p:cSld>
+    <p:spTree>
+      <p:nvGrpSpPr>
+        <p:cNvPr id="1" name=""/>
+        <p:cNvGrpSpPr/>
+        <p:nvPr/>
+      </p:nvGrpSpPr>
+      <p:grpSpPr>
+        <a:xfrm>
+          <a:off x="0" y="0"/>
+          <a:ext cx="0" cy="0"/>
+          <a:chOff x="0" y="0"/>
+          <a:chExt cx="0" cy="0"/>
+        </a:xfrm>
+      </p:grpSpPr>
+      <p:sp>
+        <p:nvSpPr>
+          <p:cNvPr id="2" name="Title 1">
+            <a:extLst>
+              <a:ext uri="{FF2B5EF4-FFF2-40B4-BE49-F238E27FC236}">
+                <a16:creationId xmlns:a16="http://schemas.microsoft.com/office/drawing/2014/main" id="{68BD2943-3186-4B22-3EB2-65BD41B85C83}"/>
+              </a:ext>
+            </a:extLst>
+          </p:cNvPr>
+          <p:cNvSpPr>
+            <a:spLocks noGrp="1"/>
+          </p:cNvSpPr>
+          <p:nvPr>
+            <p:ph type="title"/>
+          </p:nvPr>
+        </p:nvSpPr>
+        <p:spPr/>
+        <p:txBody>
+          <a:bodyPr/>
+          <a:lstStyle/>
+          <a:p>
+            <a:r>
+              <a:rPr lang="bg-BG" dirty="0"/>
+              <a:t>Екип с роли</a:t>
+            </a:r>
+            <a:endParaRPr lang="en-US" dirty="0"/>
+          </a:p>
+        </p:txBody>
+      </p:sp>
       <p:sp>
         <p:nvSpPr>
           <p:cNvPr id="3" name="Content Placeholder 2">
             <a:extLst>
               <a:ext uri="{FF2B5EF4-FFF2-40B4-BE49-F238E27FC236}">
-                <a16:creationId xmlns:a16="http://schemas.microsoft.com/office/drawing/2014/main" id="{18AFA924-742C-DF7B-3795-1274DD728C36}"/>
+                <a16:creationId xmlns:a16="http://schemas.microsoft.com/office/drawing/2014/main" id="{7C18F7E2-B075-D351-462D-AEBC565C3AD8}"/>
               </a:ext>
             </a:extLst>
           </p:cNvPr>
@@ -4196,14 +6177,55 @@
           <a:bodyPr/>
           <a:lstStyle/>
           <a:p>
-            <a:endParaRPr lang="en-US"/>
+            <a:r>
+              <a:rPr lang="bg-BG" dirty="0"/>
+              <a:t>Момчил </a:t>
+            </a:r>
+            <a:r>
+              <a:rPr lang="bg-BG" dirty="0" err="1"/>
+              <a:t>Мичков</a:t>
+            </a:r>
+            <a:r>
+              <a:rPr lang="bg-BG" dirty="0"/>
+              <a:t> – Ръководител на проекта</a:t>
+            </a:r>
+            <a:r>
+              <a:rPr lang="en-US" dirty="0"/>
+              <a:t>, </a:t>
+            </a:r>
+            <a:r>
+              <a:rPr lang="bg-BG" dirty="0"/>
+              <a:t>Разработчик</a:t>
+            </a:r>
+          </a:p>
+          <a:p>
+            <a:r>
+              <a:rPr lang="bg-BG" dirty="0"/>
+              <a:t>Тодор Пенчев – </a:t>
+            </a:r>
+            <a:r>
+              <a:rPr lang="en-US" dirty="0"/>
+              <a:t>Full-Stack </a:t>
+            </a:r>
+            <a:r>
+              <a:rPr lang="bg-BG" dirty="0"/>
+              <a:t>Разработчик, </a:t>
+            </a:r>
+            <a:r>
+              <a:rPr lang="en-US" dirty="0"/>
+              <a:t>UI </a:t>
+            </a:r>
+            <a:r>
+              <a:rPr lang="bg-BG" dirty="0"/>
+              <a:t>дизайнер </a:t>
+            </a:r>
           </a:p>
         </p:txBody>
       </p:sp>
     </p:spTree>
     <p:extLst>
       <p:ext uri="{BB962C8B-B14F-4D97-AF65-F5344CB8AC3E}">
-        <p14:creationId xmlns:p14="http://schemas.microsoft.com/office/powerpoint/2010/main" val="3736511832"/>
+        <p14:creationId xmlns:p14="http://schemas.microsoft.com/office/powerpoint/2010/main" val="339843401"/>
       </p:ext>
     </p:extLst>
   </p:cSld>
@@ -4213,7 +6235,7 @@
 </p:sld>
 </file>
 
-<file path=ppt/slides/slide2.xml><?xml version="1.0" encoding="utf-8"?>
+<file path=ppt/slides/slide3.xml><?xml version="1.0" encoding="utf-8"?>
 <p:sld xmlns:a="http://schemas.openxmlformats.org/drawingml/2006/main" xmlns:r="http://schemas.openxmlformats.org/officeDocument/2006/relationships" xmlns:p="http://schemas.openxmlformats.org/presentationml/2006/main">
   <p:cSld>
     <p:spTree>
@@ -4334,7 +6356,7 @@
 </p:sld>
 </file>
 
-<file path=ppt/slides/slide3.xml><?xml version="1.0" encoding="utf-8"?>
+<file path=ppt/slides/slide4.xml><?xml version="1.0" encoding="utf-8"?>
 <p:sld xmlns:a="http://schemas.openxmlformats.org/drawingml/2006/main" xmlns:r="http://schemas.openxmlformats.org/officeDocument/2006/relationships" xmlns:p="http://schemas.openxmlformats.org/presentationml/2006/main">
   <p:cSld>
     <p:spTree>
@@ -5232,7 +7254,7 @@
 </p:sld>
 </file>
 
-<file path=ppt/slides/slide4.xml><?xml version="1.0" encoding="utf-8"?>
+<file path=ppt/slides/slide5.xml><?xml version="1.0" encoding="utf-8"?>
 <p:sld xmlns:a="http://schemas.openxmlformats.org/drawingml/2006/main" xmlns:r="http://schemas.openxmlformats.org/officeDocument/2006/relationships" xmlns:p="http://schemas.openxmlformats.org/presentationml/2006/main">
   <p:cSld>
     <p:spTree>
@@ -5504,131 +7526,6 @@
     <p:extLst>
       <p:ext uri="{BB962C8B-B14F-4D97-AF65-F5344CB8AC3E}">
         <p14:creationId xmlns:p14="http://schemas.microsoft.com/office/powerpoint/2010/main" val="3994124326"/>
-      </p:ext>
-    </p:extLst>
-  </p:cSld>
-  <p:clrMapOvr>
-    <a:masterClrMapping/>
-  </p:clrMapOvr>
-</p:sld>
-</file>
-
-<file path=ppt/slides/slide5.xml><?xml version="1.0" encoding="utf-8"?>
-<p:sld xmlns:a="http://schemas.openxmlformats.org/drawingml/2006/main" xmlns:r="http://schemas.openxmlformats.org/officeDocument/2006/relationships" xmlns:p="http://schemas.openxmlformats.org/presentationml/2006/main">
-  <p:cSld>
-    <p:spTree>
-      <p:nvGrpSpPr>
-        <p:cNvPr id="1" name=""/>
-        <p:cNvGrpSpPr/>
-        <p:nvPr/>
-      </p:nvGrpSpPr>
-      <p:grpSpPr>
-        <a:xfrm>
-          <a:off x="0" y="0"/>
-          <a:ext cx="0" cy="0"/>
-          <a:chOff x="0" y="0"/>
-          <a:chExt cx="0" cy="0"/>
-        </a:xfrm>
-      </p:grpSpPr>
-      <p:sp>
-        <p:nvSpPr>
-          <p:cNvPr id="2" name="Title 1">
-            <a:extLst>
-              <a:ext uri="{FF2B5EF4-FFF2-40B4-BE49-F238E27FC236}">
-                <a16:creationId xmlns:a16="http://schemas.microsoft.com/office/drawing/2014/main" id="{68BD2943-3186-4B22-3EB2-65BD41B85C83}"/>
-              </a:ext>
-            </a:extLst>
-          </p:cNvPr>
-          <p:cNvSpPr>
-            <a:spLocks noGrp="1"/>
-          </p:cNvSpPr>
-          <p:nvPr>
-            <p:ph type="title"/>
-          </p:nvPr>
-        </p:nvSpPr>
-        <p:spPr/>
-        <p:txBody>
-          <a:bodyPr/>
-          <a:lstStyle/>
-          <a:p>
-            <a:r>
-              <a:rPr lang="bg-BG" dirty="0"/>
-              <a:t>Екип с роли</a:t>
-            </a:r>
-            <a:endParaRPr lang="en-US" dirty="0"/>
-          </a:p>
-        </p:txBody>
-      </p:sp>
-      <p:sp>
-        <p:nvSpPr>
-          <p:cNvPr id="3" name="Content Placeholder 2">
-            <a:extLst>
-              <a:ext uri="{FF2B5EF4-FFF2-40B4-BE49-F238E27FC236}">
-                <a16:creationId xmlns:a16="http://schemas.microsoft.com/office/drawing/2014/main" id="{7C18F7E2-B075-D351-462D-AEBC565C3AD8}"/>
-              </a:ext>
-            </a:extLst>
-          </p:cNvPr>
-          <p:cNvSpPr>
-            <a:spLocks noGrp="1"/>
-          </p:cNvSpPr>
-          <p:nvPr>
-            <p:ph idx="1"/>
-          </p:nvPr>
-        </p:nvSpPr>
-        <p:spPr/>
-        <p:txBody>
-          <a:bodyPr/>
-          <a:lstStyle/>
-          <a:p>
-            <a:r>
-              <a:rPr lang="bg-BG" dirty="0"/>
-              <a:t>Момчил </a:t>
-            </a:r>
-            <a:r>
-              <a:rPr lang="bg-BG" dirty="0" err="1"/>
-              <a:t>Мичков</a:t>
-            </a:r>
-            <a:r>
-              <a:rPr lang="bg-BG" dirty="0"/>
-              <a:t> – Ръководител на проекта</a:t>
-            </a:r>
-            <a:r>
-              <a:rPr lang="en-US" dirty="0"/>
-              <a:t>, </a:t>
-            </a:r>
-            <a:r>
-              <a:rPr lang="bg-BG" dirty="0"/>
-              <a:t>Разработчик</a:t>
-            </a:r>
-          </a:p>
-          <a:p>
-            <a:r>
-              <a:rPr lang="bg-BG" dirty="0"/>
-              <a:t>Тодор Пенчев – </a:t>
-            </a:r>
-            <a:r>
-              <a:rPr lang="en-US" dirty="0"/>
-              <a:t>Full-Stack </a:t>
-            </a:r>
-            <a:r>
-              <a:rPr lang="bg-BG" dirty="0"/>
-              <a:t>Разработчик, </a:t>
-            </a:r>
-            <a:r>
-              <a:rPr lang="en-US" dirty="0"/>
-              <a:t>UI </a:t>
-            </a:r>
-            <a:r>
-              <a:rPr lang="bg-BG" dirty="0"/>
-              <a:t>дизайнер </a:t>
-            </a:r>
-          </a:p>
-        </p:txBody>
-      </p:sp>
-    </p:spTree>
-    <p:extLst>
-      <p:ext uri="{BB962C8B-B14F-4D97-AF65-F5344CB8AC3E}">
-        <p14:creationId xmlns:p14="http://schemas.microsoft.com/office/powerpoint/2010/main" val="339843401"/>
       </p:ext>
     </p:extLst>
   </p:cSld>
@@ -6021,7 +7918,7 @@
         </p:blipFill>
         <p:spPr bwMode="auto">
           <a:xfrm>
-            <a:off x="762105" y="2041779"/>
+            <a:off x="460181" y="2167166"/>
             <a:ext cx="3883526" cy="1620122"/>
           </a:xfrm>
           <a:prstGeom prst="rect">
@@ -6068,7 +7965,7 @@
         </p:blipFill>
         <p:spPr bwMode="auto">
           <a:xfrm>
-            <a:off x="5523421" y="2346149"/>
+            <a:off x="5221497" y="2471536"/>
             <a:ext cx="1282849" cy="1300184"/>
           </a:xfrm>
           <a:prstGeom prst="rect">
@@ -6115,7 +8012,7 @@
         </p:blipFill>
         <p:spPr bwMode="auto">
           <a:xfrm>
-            <a:off x="7684061" y="2032344"/>
+            <a:off x="7382137" y="2157731"/>
             <a:ext cx="1754945" cy="1754945"/>
           </a:xfrm>
           <a:prstGeom prst="rect">
@@ -6162,7 +8059,7 @@
         </p:blipFill>
         <p:spPr bwMode="auto">
           <a:xfrm>
-            <a:off x="657224" y="4340696"/>
+            <a:off x="355300" y="4466083"/>
             <a:ext cx="3563929" cy="1095355"/>
           </a:xfrm>
           <a:prstGeom prst="rect">
@@ -6209,7 +8106,7 @@
         </p:blipFill>
         <p:spPr bwMode="auto">
           <a:xfrm>
-            <a:off x="4645631" y="4189871"/>
+            <a:off x="4343707" y="4315258"/>
             <a:ext cx="3181874" cy="1329924"/>
           </a:xfrm>
           <a:prstGeom prst="rect">
@@ -6256,7 +8153,7 @@
         </p:blipFill>
         <p:spPr bwMode="auto">
           <a:xfrm>
-            <a:off x="10257348" y="2041779"/>
+            <a:off x="9955424" y="2167166"/>
             <a:ext cx="1754945" cy="1754945"/>
           </a:xfrm>
           <a:prstGeom prst="rect">
@@ -6303,7 +8200,7 @@
         </p:blipFill>
         <p:spPr bwMode="auto">
           <a:xfrm>
-            <a:off x="8251983" y="3722934"/>
+            <a:off x="7950059" y="3848321"/>
             <a:ext cx="3760310" cy="2115174"/>
           </a:xfrm>
           <a:prstGeom prst="rect">
